--- a/VBA/VBA.pptx
+++ b/VBA/VBA.pptx
@@ -1609,6 +1609,753 @@
 </dgm:colorsDef>
 </file>
 
+<file path=ppt/diagrams/colors3.xml><?xml version="1.0" encoding="utf-8"?>
+<dgm:colorsDef xmlns:dgm="http://schemas.openxmlformats.org/drawingml/2006/diagram" xmlns:a="http://schemas.openxmlformats.org/drawingml/2006/main" uniqueId="urn:microsoft.com/office/officeart/2005/8/colors/accent1_2">
+  <dgm:title val=""/>
+  <dgm:desc val=""/>
+  <dgm:catLst>
+    <dgm:cat type="accent1" pri="11200"/>
+  </dgm:catLst>
+  <dgm:styleLbl name="node0">
+    <dgm:fillClrLst meth="repeat">
+      <a:schemeClr val="accent1"/>
+    </dgm:fillClrLst>
+    <dgm:linClrLst meth="repeat">
+      <a:schemeClr val="lt1"/>
+    </dgm:linClrLst>
+    <dgm:effectClrLst/>
+    <dgm:txLinClrLst/>
+    <dgm:txFillClrLst/>
+    <dgm:txEffectClrLst/>
+  </dgm:styleLbl>
+  <dgm:styleLbl name="alignNode1">
+    <dgm:fillClrLst meth="repeat">
+      <a:schemeClr val="accent1"/>
+    </dgm:fillClrLst>
+    <dgm:linClrLst meth="repeat">
+      <a:schemeClr val="accent1"/>
+    </dgm:linClrLst>
+    <dgm:effectClrLst/>
+    <dgm:txLinClrLst/>
+    <dgm:txFillClrLst/>
+    <dgm:txEffectClrLst/>
+  </dgm:styleLbl>
+  <dgm:styleLbl name="node1">
+    <dgm:fillClrLst meth="repeat">
+      <a:schemeClr val="accent1"/>
+    </dgm:fillClrLst>
+    <dgm:linClrLst meth="repeat">
+      <a:schemeClr val="lt1"/>
+    </dgm:linClrLst>
+    <dgm:effectClrLst/>
+    <dgm:txLinClrLst/>
+    <dgm:txFillClrLst/>
+    <dgm:txEffectClrLst/>
+  </dgm:styleLbl>
+  <dgm:styleLbl name="lnNode1">
+    <dgm:fillClrLst meth="repeat">
+      <a:schemeClr val="accent1"/>
+    </dgm:fillClrLst>
+    <dgm:linClrLst meth="repeat">
+      <a:schemeClr val="lt1"/>
+    </dgm:linClrLst>
+    <dgm:effectClrLst/>
+    <dgm:txLinClrLst/>
+    <dgm:txFillClrLst/>
+    <dgm:txEffectClrLst/>
+  </dgm:styleLbl>
+  <dgm:styleLbl name="vennNode1">
+    <dgm:fillClrLst meth="repeat">
+      <a:schemeClr val="accent1">
+        <a:alpha val="50000"/>
+      </a:schemeClr>
+    </dgm:fillClrLst>
+    <dgm:linClrLst meth="repeat">
+      <a:schemeClr val="lt1"/>
+    </dgm:linClrLst>
+    <dgm:effectClrLst/>
+    <dgm:txLinClrLst/>
+    <dgm:txFillClrLst/>
+    <dgm:txEffectClrLst/>
+  </dgm:styleLbl>
+  <dgm:styleLbl name="node2">
+    <dgm:fillClrLst meth="repeat">
+      <a:schemeClr val="accent1"/>
+    </dgm:fillClrLst>
+    <dgm:linClrLst meth="repeat">
+      <a:schemeClr val="lt1"/>
+    </dgm:linClrLst>
+    <dgm:effectClrLst/>
+    <dgm:txLinClrLst/>
+    <dgm:txFillClrLst/>
+    <dgm:txEffectClrLst/>
+  </dgm:styleLbl>
+  <dgm:styleLbl name="node3">
+    <dgm:fillClrLst meth="repeat">
+      <a:schemeClr val="accent1"/>
+    </dgm:fillClrLst>
+    <dgm:linClrLst meth="repeat">
+      <a:schemeClr val="lt1"/>
+    </dgm:linClrLst>
+    <dgm:effectClrLst/>
+    <dgm:txLinClrLst/>
+    <dgm:txFillClrLst/>
+    <dgm:txEffectClrLst/>
+  </dgm:styleLbl>
+  <dgm:styleLbl name="node4">
+    <dgm:fillClrLst meth="repeat">
+      <a:schemeClr val="accent1"/>
+    </dgm:fillClrLst>
+    <dgm:linClrLst meth="repeat">
+      <a:schemeClr val="lt1"/>
+    </dgm:linClrLst>
+    <dgm:effectClrLst/>
+    <dgm:txLinClrLst/>
+    <dgm:txFillClrLst/>
+    <dgm:txEffectClrLst/>
+  </dgm:styleLbl>
+  <dgm:styleLbl name="fgImgPlace1">
+    <dgm:fillClrLst meth="repeat">
+      <a:schemeClr val="accent1">
+        <a:tint val="50000"/>
+      </a:schemeClr>
+    </dgm:fillClrLst>
+    <dgm:linClrLst meth="repeat">
+      <a:schemeClr val="lt1"/>
+    </dgm:linClrLst>
+    <dgm:effectClrLst/>
+    <dgm:txLinClrLst/>
+    <dgm:txFillClrLst meth="repeat">
+      <a:schemeClr val="lt1"/>
+    </dgm:txFillClrLst>
+    <dgm:txEffectClrLst/>
+  </dgm:styleLbl>
+  <dgm:styleLbl name="alignImgPlace1">
+    <dgm:fillClrLst meth="repeat">
+      <a:schemeClr val="accent1">
+        <a:tint val="50000"/>
+      </a:schemeClr>
+    </dgm:fillClrLst>
+    <dgm:linClrLst meth="repeat">
+      <a:schemeClr val="lt1"/>
+    </dgm:linClrLst>
+    <dgm:effectClrLst/>
+    <dgm:txLinClrLst/>
+    <dgm:txFillClrLst meth="repeat">
+      <a:schemeClr val="lt1"/>
+    </dgm:txFillClrLst>
+    <dgm:txEffectClrLst/>
+  </dgm:styleLbl>
+  <dgm:styleLbl name="bgImgPlace1">
+    <dgm:fillClrLst meth="repeat">
+      <a:schemeClr val="accent1">
+        <a:tint val="50000"/>
+      </a:schemeClr>
+    </dgm:fillClrLst>
+    <dgm:linClrLst meth="repeat">
+      <a:schemeClr val="lt1"/>
+    </dgm:linClrLst>
+    <dgm:effectClrLst/>
+    <dgm:txLinClrLst/>
+    <dgm:txFillClrLst meth="repeat">
+      <a:schemeClr val="lt1"/>
+    </dgm:txFillClrLst>
+    <dgm:txEffectClrLst/>
+  </dgm:styleLbl>
+  <dgm:styleLbl name="sibTrans2D1">
+    <dgm:fillClrLst meth="repeat">
+      <a:schemeClr val="accent1">
+        <a:tint val="60000"/>
+      </a:schemeClr>
+    </dgm:fillClrLst>
+    <dgm:linClrLst meth="repeat">
+      <a:schemeClr val="accent1">
+        <a:tint val="60000"/>
+      </a:schemeClr>
+    </dgm:linClrLst>
+    <dgm:effectClrLst/>
+    <dgm:txLinClrLst/>
+    <dgm:txFillClrLst/>
+    <dgm:txEffectClrLst/>
+  </dgm:styleLbl>
+  <dgm:styleLbl name="fgSibTrans2D1">
+    <dgm:fillClrLst meth="repeat">
+      <a:schemeClr val="accent1">
+        <a:tint val="60000"/>
+      </a:schemeClr>
+    </dgm:fillClrLst>
+    <dgm:linClrLst meth="repeat">
+      <a:schemeClr val="accent1">
+        <a:tint val="60000"/>
+      </a:schemeClr>
+    </dgm:linClrLst>
+    <dgm:effectClrLst/>
+    <dgm:txLinClrLst/>
+    <dgm:txFillClrLst/>
+    <dgm:txEffectClrLst/>
+  </dgm:styleLbl>
+  <dgm:styleLbl name="bgSibTrans2D1">
+    <dgm:fillClrLst meth="repeat">
+      <a:schemeClr val="accent1">
+        <a:tint val="60000"/>
+      </a:schemeClr>
+    </dgm:fillClrLst>
+    <dgm:linClrLst meth="repeat">
+      <a:schemeClr val="accent1">
+        <a:tint val="60000"/>
+      </a:schemeClr>
+    </dgm:linClrLst>
+    <dgm:effectClrLst/>
+    <dgm:txLinClrLst/>
+    <dgm:txFillClrLst/>
+    <dgm:txEffectClrLst/>
+  </dgm:styleLbl>
+  <dgm:styleLbl name="sibTrans1D1">
+    <dgm:fillClrLst meth="repeat">
+      <a:schemeClr val="accent1"/>
+    </dgm:fillClrLst>
+    <dgm:linClrLst meth="repeat">
+      <a:schemeClr val="accent1"/>
+    </dgm:linClrLst>
+    <dgm:effectClrLst/>
+    <dgm:txLinClrLst/>
+    <dgm:txFillClrLst meth="repeat">
+      <a:schemeClr val="tx1"/>
+    </dgm:txFillClrLst>
+    <dgm:txEffectClrLst/>
+  </dgm:styleLbl>
+  <dgm:styleLbl name="callout">
+    <dgm:fillClrLst meth="repeat">
+      <a:schemeClr val="accent1"/>
+    </dgm:fillClrLst>
+    <dgm:linClrLst meth="repeat">
+      <a:schemeClr val="accent1">
+        <a:tint val="50000"/>
+      </a:schemeClr>
+    </dgm:linClrLst>
+    <dgm:effectClrLst/>
+    <dgm:txLinClrLst/>
+    <dgm:txFillClrLst meth="repeat">
+      <a:schemeClr val="tx1"/>
+    </dgm:txFillClrLst>
+    <dgm:txEffectClrLst/>
+  </dgm:styleLbl>
+  <dgm:styleLbl name="asst0">
+    <dgm:fillClrLst meth="repeat">
+      <a:schemeClr val="accent1"/>
+    </dgm:fillClrLst>
+    <dgm:linClrLst meth="repeat">
+      <a:schemeClr val="lt1"/>
+    </dgm:linClrLst>
+    <dgm:effectClrLst/>
+    <dgm:txLinClrLst/>
+    <dgm:txFillClrLst/>
+    <dgm:txEffectClrLst/>
+  </dgm:styleLbl>
+  <dgm:styleLbl name="asst1">
+    <dgm:fillClrLst meth="repeat">
+      <a:schemeClr val="accent1"/>
+    </dgm:fillClrLst>
+    <dgm:linClrLst meth="repeat">
+      <a:schemeClr val="lt1"/>
+    </dgm:linClrLst>
+    <dgm:effectClrLst/>
+    <dgm:txLinClrLst/>
+    <dgm:txFillClrLst/>
+    <dgm:txEffectClrLst/>
+  </dgm:styleLbl>
+  <dgm:styleLbl name="asst2">
+    <dgm:fillClrLst meth="repeat">
+      <a:schemeClr val="accent1"/>
+    </dgm:fillClrLst>
+    <dgm:linClrLst meth="repeat">
+      <a:schemeClr val="lt1"/>
+    </dgm:linClrLst>
+    <dgm:effectClrLst/>
+    <dgm:txLinClrLst/>
+    <dgm:txFillClrLst/>
+    <dgm:txEffectClrLst/>
+  </dgm:styleLbl>
+  <dgm:styleLbl name="asst3">
+    <dgm:fillClrLst meth="repeat">
+      <a:schemeClr val="accent1"/>
+    </dgm:fillClrLst>
+    <dgm:linClrLst meth="repeat">
+      <a:schemeClr val="lt1"/>
+    </dgm:linClrLst>
+    <dgm:effectClrLst/>
+    <dgm:txLinClrLst/>
+    <dgm:txFillClrLst/>
+    <dgm:txEffectClrLst/>
+  </dgm:styleLbl>
+  <dgm:styleLbl name="asst4">
+    <dgm:fillClrLst meth="repeat">
+      <a:schemeClr val="accent1"/>
+    </dgm:fillClrLst>
+    <dgm:linClrLst meth="repeat">
+      <a:schemeClr val="lt1"/>
+    </dgm:linClrLst>
+    <dgm:effectClrLst/>
+    <dgm:txLinClrLst/>
+    <dgm:txFillClrLst/>
+    <dgm:txEffectClrLst/>
+  </dgm:styleLbl>
+  <dgm:styleLbl name="parChTrans2D1">
+    <dgm:fillClrLst meth="repeat">
+      <a:schemeClr val="accent1">
+        <a:tint val="60000"/>
+      </a:schemeClr>
+    </dgm:fillClrLst>
+    <dgm:linClrLst meth="repeat">
+      <a:schemeClr val="accent1">
+        <a:tint val="60000"/>
+      </a:schemeClr>
+    </dgm:linClrLst>
+    <dgm:effectClrLst/>
+    <dgm:txLinClrLst/>
+    <dgm:txFillClrLst meth="repeat">
+      <a:schemeClr val="lt1"/>
+    </dgm:txFillClrLst>
+    <dgm:txEffectClrLst/>
+  </dgm:styleLbl>
+  <dgm:styleLbl name="parChTrans2D2">
+    <dgm:fillClrLst meth="repeat">
+      <a:schemeClr val="accent1"/>
+    </dgm:fillClrLst>
+    <dgm:linClrLst meth="repeat">
+      <a:schemeClr val="accent1"/>
+    </dgm:linClrLst>
+    <dgm:effectClrLst/>
+    <dgm:txLinClrLst/>
+    <dgm:txFillClrLst meth="repeat">
+      <a:schemeClr val="lt1"/>
+    </dgm:txFillClrLst>
+    <dgm:txEffectClrLst/>
+  </dgm:styleLbl>
+  <dgm:styleLbl name="parChTrans2D3">
+    <dgm:fillClrLst meth="repeat">
+      <a:schemeClr val="accent1"/>
+    </dgm:fillClrLst>
+    <dgm:linClrLst meth="repeat">
+      <a:schemeClr val="accent1"/>
+    </dgm:linClrLst>
+    <dgm:effectClrLst/>
+    <dgm:txLinClrLst/>
+    <dgm:txFillClrLst meth="repeat">
+      <a:schemeClr val="lt1"/>
+    </dgm:txFillClrLst>
+    <dgm:txEffectClrLst/>
+  </dgm:styleLbl>
+  <dgm:styleLbl name="parChTrans2D4">
+    <dgm:fillClrLst meth="repeat">
+      <a:schemeClr val="accent1"/>
+    </dgm:fillClrLst>
+    <dgm:linClrLst meth="repeat">
+      <a:schemeClr val="accent1"/>
+    </dgm:linClrLst>
+    <dgm:effectClrLst/>
+    <dgm:txLinClrLst/>
+    <dgm:txFillClrLst meth="repeat">
+      <a:schemeClr val="lt1"/>
+    </dgm:txFillClrLst>
+    <dgm:txEffectClrLst/>
+  </dgm:styleLbl>
+  <dgm:styleLbl name="parChTrans1D1">
+    <dgm:fillClrLst meth="repeat">
+      <a:schemeClr val="accent1"/>
+    </dgm:fillClrLst>
+    <dgm:linClrLst meth="repeat">
+      <a:schemeClr val="accent1">
+        <a:shade val="60000"/>
+      </a:schemeClr>
+    </dgm:linClrLst>
+    <dgm:effectClrLst/>
+    <dgm:txLinClrLst/>
+    <dgm:txFillClrLst meth="repeat">
+      <a:schemeClr val="tx1"/>
+    </dgm:txFillClrLst>
+    <dgm:txEffectClrLst/>
+  </dgm:styleLbl>
+  <dgm:styleLbl name="parChTrans1D2">
+    <dgm:fillClrLst meth="repeat">
+      <a:schemeClr val="accent1"/>
+    </dgm:fillClrLst>
+    <dgm:linClrLst meth="repeat">
+      <a:schemeClr val="accent1">
+        <a:shade val="60000"/>
+      </a:schemeClr>
+    </dgm:linClrLst>
+    <dgm:effectClrLst/>
+    <dgm:txLinClrLst/>
+    <dgm:txFillClrLst meth="repeat">
+      <a:schemeClr val="tx1"/>
+    </dgm:txFillClrLst>
+    <dgm:txEffectClrLst/>
+  </dgm:styleLbl>
+  <dgm:styleLbl name="parChTrans1D3">
+    <dgm:fillClrLst meth="repeat">
+      <a:schemeClr val="accent1"/>
+    </dgm:fillClrLst>
+    <dgm:linClrLst meth="repeat">
+      <a:schemeClr val="accent1">
+        <a:shade val="80000"/>
+      </a:schemeClr>
+    </dgm:linClrLst>
+    <dgm:effectClrLst/>
+    <dgm:txLinClrLst/>
+    <dgm:txFillClrLst meth="repeat">
+      <a:schemeClr val="tx1"/>
+    </dgm:txFillClrLst>
+    <dgm:txEffectClrLst/>
+  </dgm:styleLbl>
+  <dgm:styleLbl name="parChTrans1D4">
+    <dgm:fillClrLst meth="repeat">
+      <a:schemeClr val="accent1"/>
+    </dgm:fillClrLst>
+    <dgm:linClrLst meth="repeat">
+      <a:schemeClr val="accent1">
+        <a:shade val="80000"/>
+      </a:schemeClr>
+    </dgm:linClrLst>
+    <dgm:effectClrLst/>
+    <dgm:txLinClrLst/>
+    <dgm:txFillClrLst meth="repeat">
+      <a:schemeClr val="tx1"/>
+    </dgm:txFillClrLst>
+    <dgm:txEffectClrLst/>
+  </dgm:styleLbl>
+  <dgm:styleLbl name="fgAcc1">
+    <dgm:fillClrLst meth="repeat">
+      <a:schemeClr val="lt1">
+        <a:alpha val="90000"/>
+      </a:schemeClr>
+    </dgm:fillClrLst>
+    <dgm:linClrLst meth="repeat">
+      <a:schemeClr val="accent1"/>
+    </dgm:linClrLst>
+    <dgm:effectClrLst/>
+    <dgm:txLinClrLst/>
+    <dgm:txFillClrLst meth="repeat">
+      <a:schemeClr val="dk1"/>
+    </dgm:txFillClrLst>
+    <dgm:txEffectClrLst/>
+  </dgm:styleLbl>
+  <dgm:styleLbl name="conFgAcc1">
+    <dgm:fillClrLst meth="repeat">
+      <a:schemeClr val="lt1">
+        <a:alpha val="90000"/>
+      </a:schemeClr>
+    </dgm:fillClrLst>
+    <dgm:linClrLst meth="repeat">
+      <a:schemeClr val="accent1"/>
+    </dgm:linClrLst>
+    <dgm:effectClrLst/>
+    <dgm:txLinClrLst/>
+    <dgm:txFillClrLst meth="repeat">
+      <a:schemeClr val="dk1"/>
+    </dgm:txFillClrLst>
+    <dgm:txEffectClrLst/>
+  </dgm:styleLbl>
+  <dgm:styleLbl name="alignAcc1">
+    <dgm:fillClrLst meth="repeat">
+      <a:schemeClr val="lt1">
+        <a:alpha val="90000"/>
+      </a:schemeClr>
+    </dgm:fillClrLst>
+    <dgm:linClrLst meth="repeat">
+      <a:schemeClr val="accent1"/>
+    </dgm:linClrLst>
+    <dgm:effectClrLst/>
+    <dgm:txLinClrLst/>
+    <dgm:txFillClrLst meth="repeat">
+      <a:schemeClr val="dk1"/>
+    </dgm:txFillClrLst>
+    <dgm:txEffectClrLst/>
+  </dgm:styleLbl>
+  <dgm:styleLbl name="trAlignAcc1">
+    <dgm:fillClrLst meth="repeat">
+      <a:schemeClr val="lt1">
+        <a:alpha val="40000"/>
+      </a:schemeClr>
+    </dgm:fillClrLst>
+    <dgm:linClrLst meth="repeat">
+      <a:schemeClr val="accent1"/>
+    </dgm:linClrLst>
+    <dgm:effectClrLst/>
+    <dgm:txLinClrLst/>
+    <dgm:txFillClrLst meth="repeat">
+      <a:schemeClr val="dk1"/>
+    </dgm:txFillClrLst>
+    <dgm:txEffectClrLst/>
+  </dgm:styleLbl>
+  <dgm:styleLbl name="bgAcc1">
+    <dgm:fillClrLst meth="repeat">
+      <a:schemeClr val="lt1">
+        <a:alpha val="90000"/>
+      </a:schemeClr>
+    </dgm:fillClrLst>
+    <dgm:linClrLst meth="repeat">
+      <a:schemeClr val="accent1"/>
+    </dgm:linClrLst>
+    <dgm:effectClrLst/>
+    <dgm:txLinClrLst/>
+    <dgm:txFillClrLst meth="repeat">
+      <a:schemeClr val="dk1"/>
+    </dgm:txFillClrLst>
+    <dgm:txEffectClrLst/>
+  </dgm:styleLbl>
+  <dgm:styleLbl name="solidFgAcc1">
+    <dgm:fillClrLst meth="repeat">
+      <a:schemeClr val="lt1"/>
+    </dgm:fillClrLst>
+    <dgm:linClrLst meth="repeat">
+      <a:schemeClr val="accent1"/>
+    </dgm:linClrLst>
+    <dgm:effectClrLst/>
+    <dgm:txLinClrLst/>
+    <dgm:txFillClrLst meth="repeat">
+      <a:schemeClr val="dk1"/>
+    </dgm:txFillClrLst>
+    <dgm:txEffectClrLst/>
+  </dgm:styleLbl>
+  <dgm:styleLbl name="solidAlignAcc1">
+    <dgm:fillClrLst meth="repeat">
+      <a:schemeClr val="lt1"/>
+    </dgm:fillClrLst>
+    <dgm:linClrLst meth="repeat">
+      <a:schemeClr val="accent1"/>
+    </dgm:linClrLst>
+    <dgm:effectClrLst/>
+    <dgm:txLinClrLst/>
+    <dgm:txFillClrLst meth="repeat">
+      <a:schemeClr val="dk1"/>
+    </dgm:txFillClrLst>
+    <dgm:txEffectClrLst/>
+  </dgm:styleLbl>
+  <dgm:styleLbl name="solidBgAcc1">
+    <dgm:fillClrLst meth="repeat">
+      <a:schemeClr val="lt1"/>
+    </dgm:fillClrLst>
+    <dgm:linClrLst meth="repeat">
+      <a:schemeClr val="accent1"/>
+    </dgm:linClrLst>
+    <dgm:effectClrLst/>
+    <dgm:txLinClrLst/>
+    <dgm:txFillClrLst meth="repeat">
+      <a:schemeClr val="dk1"/>
+    </dgm:txFillClrLst>
+    <dgm:txEffectClrLst/>
+  </dgm:styleLbl>
+  <dgm:styleLbl name="fgAccFollowNode1">
+    <dgm:fillClrLst meth="repeat">
+      <a:schemeClr val="accent1">
+        <a:alpha val="90000"/>
+        <a:tint val="40000"/>
+      </a:schemeClr>
+    </dgm:fillClrLst>
+    <dgm:linClrLst meth="repeat">
+      <a:schemeClr val="accent1">
+        <a:alpha val="90000"/>
+        <a:tint val="40000"/>
+      </a:schemeClr>
+    </dgm:linClrLst>
+    <dgm:effectClrLst/>
+    <dgm:txLinClrLst/>
+    <dgm:txFillClrLst meth="repeat">
+      <a:schemeClr val="dk1"/>
+    </dgm:txFillClrLst>
+    <dgm:txEffectClrLst/>
+  </dgm:styleLbl>
+  <dgm:styleLbl name="alignAccFollowNode1">
+    <dgm:fillClrLst meth="repeat">
+      <a:schemeClr val="accent1">
+        <a:alpha val="90000"/>
+        <a:tint val="40000"/>
+      </a:schemeClr>
+    </dgm:fillClrLst>
+    <dgm:linClrLst meth="repeat">
+      <a:schemeClr val="accent1">
+        <a:alpha val="90000"/>
+        <a:tint val="40000"/>
+      </a:schemeClr>
+    </dgm:linClrLst>
+    <dgm:effectClrLst/>
+    <dgm:txLinClrLst/>
+    <dgm:txFillClrLst meth="repeat">
+      <a:schemeClr val="dk1"/>
+    </dgm:txFillClrLst>
+    <dgm:txEffectClrLst/>
+  </dgm:styleLbl>
+  <dgm:styleLbl name="bgAccFollowNode1">
+    <dgm:fillClrLst meth="repeat">
+      <a:schemeClr val="accent1">
+        <a:alpha val="90000"/>
+        <a:tint val="40000"/>
+      </a:schemeClr>
+    </dgm:fillClrLst>
+    <dgm:linClrLst meth="repeat">
+      <a:schemeClr val="accent1">
+        <a:alpha val="90000"/>
+        <a:tint val="40000"/>
+      </a:schemeClr>
+    </dgm:linClrLst>
+    <dgm:effectClrLst/>
+    <dgm:txLinClrLst/>
+    <dgm:txFillClrLst meth="repeat">
+      <a:schemeClr val="dk1"/>
+    </dgm:txFillClrLst>
+    <dgm:txEffectClrLst/>
+  </dgm:styleLbl>
+  <dgm:styleLbl name="fgAcc0">
+    <dgm:fillClrLst meth="repeat">
+      <a:schemeClr val="lt1">
+        <a:alpha val="90000"/>
+      </a:schemeClr>
+    </dgm:fillClrLst>
+    <dgm:linClrLst meth="repeat">
+      <a:schemeClr val="accent1"/>
+    </dgm:linClrLst>
+    <dgm:effectClrLst/>
+    <dgm:txLinClrLst/>
+    <dgm:txFillClrLst meth="repeat">
+      <a:schemeClr val="dk1"/>
+    </dgm:txFillClrLst>
+    <dgm:txEffectClrLst/>
+  </dgm:styleLbl>
+  <dgm:styleLbl name="fgAcc2">
+    <dgm:fillClrLst meth="repeat">
+      <a:schemeClr val="lt1">
+        <a:alpha val="90000"/>
+      </a:schemeClr>
+    </dgm:fillClrLst>
+    <dgm:linClrLst meth="repeat">
+      <a:schemeClr val="accent1"/>
+    </dgm:linClrLst>
+    <dgm:effectClrLst/>
+    <dgm:txLinClrLst/>
+    <dgm:txFillClrLst meth="repeat">
+      <a:schemeClr val="dk1"/>
+    </dgm:txFillClrLst>
+    <dgm:txEffectClrLst/>
+  </dgm:styleLbl>
+  <dgm:styleLbl name="fgAcc3">
+    <dgm:fillClrLst meth="repeat">
+      <a:schemeClr val="lt1">
+        <a:alpha val="90000"/>
+      </a:schemeClr>
+    </dgm:fillClrLst>
+    <dgm:linClrLst meth="repeat">
+      <a:schemeClr val="accent1"/>
+    </dgm:linClrLst>
+    <dgm:effectClrLst/>
+    <dgm:txLinClrLst/>
+    <dgm:txFillClrLst meth="repeat">
+      <a:schemeClr val="dk1"/>
+    </dgm:txFillClrLst>
+    <dgm:txEffectClrLst/>
+  </dgm:styleLbl>
+  <dgm:styleLbl name="fgAcc4">
+    <dgm:fillClrLst meth="repeat">
+      <a:schemeClr val="lt1">
+        <a:alpha val="90000"/>
+      </a:schemeClr>
+    </dgm:fillClrLst>
+    <dgm:linClrLst meth="repeat">
+      <a:schemeClr val="accent1"/>
+    </dgm:linClrLst>
+    <dgm:effectClrLst/>
+    <dgm:txLinClrLst/>
+    <dgm:txFillClrLst meth="repeat">
+      <a:schemeClr val="dk1"/>
+    </dgm:txFillClrLst>
+    <dgm:txEffectClrLst/>
+  </dgm:styleLbl>
+  <dgm:styleLbl name="bgShp">
+    <dgm:fillClrLst meth="repeat">
+      <a:schemeClr val="accent1">
+        <a:tint val="40000"/>
+      </a:schemeClr>
+    </dgm:fillClrLst>
+    <dgm:linClrLst meth="repeat">
+      <a:schemeClr val="accent1"/>
+    </dgm:linClrLst>
+    <dgm:effectClrLst/>
+    <dgm:txLinClrLst/>
+    <dgm:txFillClrLst meth="repeat">
+      <a:schemeClr val="dk1"/>
+    </dgm:txFillClrLst>
+    <dgm:txEffectClrLst/>
+  </dgm:styleLbl>
+  <dgm:styleLbl name="dkBgShp">
+    <dgm:fillClrLst meth="repeat">
+      <a:schemeClr val="accent1">
+        <a:shade val="80000"/>
+      </a:schemeClr>
+    </dgm:fillClrLst>
+    <dgm:linClrLst meth="repeat">
+      <a:schemeClr val="accent1"/>
+    </dgm:linClrLst>
+    <dgm:effectClrLst/>
+    <dgm:txLinClrLst/>
+    <dgm:txFillClrLst meth="repeat">
+      <a:schemeClr val="lt1"/>
+    </dgm:txFillClrLst>
+    <dgm:txEffectClrLst/>
+  </dgm:styleLbl>
+  <dgm:styleLbl name="trBgShp">
+    <dgm:fillClrLst meth="repeat">
+      <a:schemeClr val="accent1">
+        <a:tint val="50000"/>
+        <a:alpha val="40000"/>
+      </a:schemeClr>
+    </dgm:fillClrLst>
+    <dgm:linClrLst meth="repeat">
+      <a:schemeClr val="accent1"/>
+    </dgm:linClrLst>
+    <dgm:effectClrLst/>
+    <dgm:txLinClrLst/>
+    <dgm:txFillClrLst meth="repeat">
+      <a:schemeClr val="lt1"/>
+    </dgm:txFillClrLst>
+    <dgm:txEffectClrLst/>
+  </dgm:styleLbl>
+  <dgm:styleLbl name="fgShp">
+    <dgm:fillClrLst meth="repeat">
+      <a:schemeClr val="accent1">
+        <a:tint val="60000"/>
+      </a:schemeClr>
+    </dgm:fillClrLst>
+    <dgm:linClrLst meth="repeat">
+      <a:schemeClr val="lt1"/>
+    </dgm:linClrLst>
+    <dgm:effectClrLst/>
+    <dgm:txLinClrLst/>
+    <dgm:txFillClrLst meth="repeat">
+      <a:schemeClr val="dk1"/>
+    </dgm:txFillClrLst>
+    <dgm:txEffectClrLst/>
+  </dgm:styleLbl>
+  <dgm:styleLbl name="revTx">
+    <dgm:fillClrLst meth="repeat">
+      <a:schemeClr val="lt1">
+        <a:alpha val="0"/>
+      </a:schemeClr>
+    </dgm:fillClrLst>
+    <dgm:linClrLst meth="repeat">
+      <a:schemeClr val="dk1">
+        <a:alpha val="0"/>
+      </a:schemeClr>
+    </dgm:linClrLst>
+    <dgm:effectClrLst/>
+    <dgm:txLinClrLst/>
+    <dgm:txFillClrLst meth="repeat">
+      <a:schemeClr val="tx1"/>
+    </dgm:txFillClrLst>
+    <dgm:txEffectClrLst/>
+  </dgm:styleLbl>
+</dgm:colorsDef>
+</file>
+
 <file path=ppt/diagrams/data1.xml><?xml version="1.0" encoding="utf-8"?>
 <dgm:dataModel xmlns:dgm="http://schemas.openxmlformats.org/drawingml/2006/diagram" xmlns:a="http://schemas.openxmlformats.org/drawingml/2006/main">
   <dgm:ptLst>
@@ -3117,6 +3864,518 @@
     <dgm:cxn modelId="{A95278FA-E785-4930-BB71-835B44E42C06}" type="presParOf" srcId="{7D44673C-4382-4EB7-8BDC-8DCED635F777}" destId="{A99F069F-4768-4668-9464-C61F188B259F}" srcOrd="2" destOrd="0" presId="urn:microsoft.com/office/officeart/2008/layout/NameandTitleOrganizationalChart"/>
     <dgm:cxn modelId="{EB0BDB30-39BD-49B3-8439-852C10492C4D}" type="presParOf" srcId="{BE041299-BB3E-4E2B-A433-EDC68D8AA356}" destId="{2080BD08-FBE7-4A57-A23A-5020F9A01EF3}" srcOrd="1" destOrd="0" presId="urn:microsoft.com/office/officeart/2008/layout/NameandTitleOrganizationalChart"/>
     <dgm:cxn modelId="{F660992C-2350-4AB4-94AF-45F485C2FB8D}" type="presParOf" srcId="{BE041299-BB3E-4E2B-A433-EDC68D8AA356}" destId="{7D6757C1-F30B-4F42-8369-9AF6374E1FED}" srcOrd="2" destOrd="0" presId="urn:microsoft.com/office/officeart/2008/layout/NameandTitleOrganizationalChart"/>
+  </dgm:cxnLst>
+  <dgm:bg/>
+  <dgm:whole/>
+  <dgm:extLst>
+    <a:ext uri="http://schemas.microsoft.com/office/drawing/2008/diagram">
+      <dsp:dataModelExt xmlns:dsp="http://schemas.microsoft.com/office/drawing/2008/diagram" relId="rId6" minVer="http://schemas.openxmlformats.org/drawingml/2006/diagram"/>
+    </a:ext>
+  </dgm:extLst>
+</dgm:dataModel>
+</file>
+
+<file path=ppt/diagrams/data3.xml><?xml version="1.0" encoding="utf-8"?>
+<dgm:dataModel xmlns:dgm="http://schemas.openxmlformats.org/drawingml/2006/diagram" xmlns:a="http://schemas.openxmlformats.org/drawingml/2006/main">
+  <dgm:ptLst>
+    <dgm:pt modelId="{426D9542-C3EC-4161-9946-A2014AF5CEFF}" type="doc">
+      <dgm:prSet loTypeId="urn:microsoft.com/office/officeart/2008/layout/HorizontalMultiLevelHierarchy" loCatId="hierarchy" qsTypeId="urn:microsoft.com/office/officeart/2005/8/quickstyle/simple1" qsCatId="simple" csTypeId="urn:microsoft.com/office/officeart/2005/8/colors/accent1_2" csCatId="accent1" phldr="1"/>
+      <dgm:spPr/>
+      <dgm:t>
+        <a:bodyPr/>
+        <a:lstStyle/>
+        <a:p>
+          <a:endParaRPr lang="en-US"/>
+        </a:p>
+      </dgm:t>
+    </dgm:pt>
+    <dgm:pt modelId="{13B20F43-3F51-4724-AB58-8FAD5073F8FC}">
+      <dgm:prSet phldrT="[Text]">
+        <dgm:style>
+          <a:lnRef idx="0">
+            <a:scrgbClr r="0" g="0" b="0"/>
+          </a:lnRef>
+          <a:fillRef idx="0">
+            <a:scrgbClr r="0" g="0" b="0"/>
+          </a:fillRef>
+          <a:effectRef idx="0">
+            <a:scrgbClr r="0" g="0" b="0"/>
+          </a:effectRef>
+          <a:fontRef idx="minor">
+            <a:schemeClr val="lt1"/>
+          </a:fontRef>
+        </dgm:style>
+      </dgm:prSet>
+      <dgm:spPr>
+        <a:gradFill flip="none" rotWithShape="1">
+          <a:gsLst>
+            <a:gs pos="0">
+              <a:schemeClr val="accent1">
+                <a:lumMod val="67000"/>
+              </a:schemeClr>
+            </a:gs>
+            <a:gs pos="48000">
+              <a:schemeClr val="accent1">
+                <a:lumMod val="97000"/>
+                <a:lumOff val="3000"/>
+              </a:schemeClr>
+            </a:gs>
+            <a:gs pos="100000">
+              <a:schemeClr val="accent1">
+                <a:lumMod val="60000"/>
+                <a:lumOff val="40000"/>
+              </a:schemeClr>
+            </a:gs>
+          </a:gsLst>
+          <a:lin ang="16200000" scaled="1"/>
+          <a:tileRect/>
+        </a:gradFill>
+        <a:ln>
+          <a:noFill/>
+        </a:ln>
+      </dgm:spPr>
+      <dgm:t>
+        <a:bodyPr/>
+        <a:lstStyle/>
+        <a:p>
+          <a:r>
+            <a:rPr lang="fr-FR" dirty="0"/>
+            <a:t>VB</a:t>
+          </a:r>
+          <a:endParaRPr lang="en-US" dirty="0"/>
+        </a:p>
+      </dgm:t>
+    </dgm:pt>
+    <dgm:pt modelId="{C2CCE1E0-C081-4C5B-9394-C463F0685657}" type="parTrans" cxnId="{D18904B2-7D80-4C0B-A7EE-5FFABDD4F892}">
+      <dgm:prSet/>
+      <dgm:spPr/>
+      <dgm:t>
+        <a:bodyPr/>
+        <a:lstStyle/>
+        <a:p>
+          <a:endParaRPr lang="en-US"/>
+        </a:p>
+      </dgm:t>
+    </dgm:pt>
+    <dgm:pt modelId="{4518CD95-136E-419D-9FED-9484EA69C9B8}" type="sibTrans" cxnId="{D18904B2-7D80-4C0B-A7EE-5FFABDD4F892}">
+      <dgm:prSet/>
+      <dgm:spPr/>
+      <dgm:t>
+        <a:bodyPr/>
+        <a:lstStyle/>
+        <a:p>
+          <a:endParaRPr lang="en-US"/>
+        </a:p>
+      </dgm:t>
+    </dgm:pt>
+    <dgm:pt modelId="{144B28F3-9274-4D43-B06E-2F2214C61685}">
+      <dgm:prSet phldrT="[Text]">
+        <dgm:style>
+          <a:lnRef idx="0">
+            <a:scrgbClr r="0" g="0" b="0"/>
+          </a:lnRef>
+          <a:fillRef idx="0">
+            <a:scrgbClr r="0" g="0" b="0"/>
+          </a:fillRef>
+          <a:effectRef idx="0">
+            <a:scrgbClr r="0" g="0" b="0"/>
+          </a:effectRef>
+          <a:fontRef idx="minor">
+            <a:schemeClr val="lt1"/>
+          </a:fontRef>
+        </dgm:style>
+      </dgm:prSet>
+      <dgm:spPr>
+        <a:gradFill flip="none" rotWithShape="1">
+          <a:gsLst>
+            <a:gs pos="0">
+              <a:schemeClr val="accent4">
+                <a:lumMod val="67000"/>
+              </a:schemeClr>
+            </a:gs>
+            <a:gs pos="48000">
+              <a:schemeClr val="accent4">
+                <a:lumMod val="97000"/>
+                <a:lumOff val="3000"/>
+              </a:schemeClr>
+            </a:gs>
+            <a:gs pos="100000">
+              <a:schemeClr val="accent4">
+                <a:lumMod val="60000"/>
+                <a:lumOff val="40000"/>
+              </a:schemeClr>
+            </a:gs>
+          </a:gsLst>
+          <a:lin ang="16200000" scaled="1"/>
+          <a:tileRect/>
+        </a:gradFill>
+        <a:ln>
+          <a:noFill/>
+        </a:ln>
+      </dgm:spPr>
+      <dgm:t>
+        <a:bodyPr/>
+        <a:lstStyle/>
+        <a:p>
+          <a:r>
+            <a:rPr lang="fr-FR" dirty="0"/>
+            <a:t>VB6</a:t>
+          </a:r>
+          <a:endParaRPr lang="en-US" dirty="0"/>
+        </a:p>
+      </dgm:t>
+    </dgm:pt>
+    <dgm:pt modelId="{CBA8C2C4-6DE7-4591-8EDB-EBD97A485D9B}" type="parTrans" cxnId="{001C5080-0885-436C-B59C-2C24AD463B41}">
+      <dgm:prSet>
+        <dgm:style>
+          <a:lnRef idx="3">
+            <a:schemeClr val="dk1"/>
+          </a:lnRef>
+          <a:fillRef idx="0">
+            <a:schemeClr val="dk1"/>
+          </a:fillRef>
+          <a:effectRef idx="2">
+            <a:schemeClr val="dk1"/>
+          </a:effectRef>
+          <a:fontRef idx="minor">
+            <a:schemeClr val="tx1"/>
+          </a:fontRef>
+        </dgm:style>
+      </dgm:prSet>
+      <dgm:spPr>
+        <a:ln w="38100"/>
+      </dgm:spPr>
+      <dgm:t>
+        <a:bodyPr/>
+        <a:lstStyle/>
+        <a:p>
+          <a:endParaRPr lang="en-US"/>
+        </a:p>
+      </dgm:t>
+    </dgm:pt>
+    <dgm:pt modelId="{102F8B0F-0B70-4D4E-ABB2-FD78FE2CF04A}" type="sibTrans" cxnId="{001C5080-0885-436C-B59C-2C24AD463B41}">
+      <dgm:prSet/>
+      <dgm:spPr/>
+      <dgm:t>
+        <a:bodyPr/>
+        <a:lstStyle/>
+        <a:p>
+          <a:endParaRPr lang="en-US"/>
+        </a:p>
+      </dgm:t>
+    </dgm:pt>
+    <dgm:pt modelId="{7739287D-A403-4C77-B051-AAFA4E86029B}">
+      <dgm:prSet phldrT="[Text]">
+        <dgm:style>
+          <a:lnRef idx="0">
+            <a:scrgbClr r="0" g="0" b="0"/>
+          </a:lnRef>
+          <a:fillRef idx="0">
+            <a:scrgbClr r="0" g="0" b="0"/>
+          </a:fillRef>
+          <a:effectRef idx="0">
+            <a:scrgbClr r="0" g="0" b="0"/>
+          </a:effectRef>
+          <a:fontRef idx="minor">
+            <a:schemeClr val="lt1"/>
+          </a:fontRef>
+        </dgm:style>
+      </dgm:prSet>
+      <dgm:spPr>
+        <a:gradFill flip="none" rotWithShape="1">
+          <a:gsLst>
+            <a:gs pos="0">
+              <a:schemeClr val="accent6">
+                <a:lumMod val="67000"/>
+              </a:schemeClr>
+            </a:gs>
+            <a:gs pos="48000">
+              <a:schemeClr val="accent6">
+                <a:lumMod val="97000"/>
+                <a:lumOff val="3000"/>
+              </a:schemeClr>
+            </a:gs>
+            <a:gs pos="100000">
+              <a:schemeClr val="accent6">
+                <a:lumMod val="60000"/>
+                <a:lumOff val="40000"/>
+              </a:schemeClr>
+            </a:gs>
+          </a:gsLst>
+          <a:lin ang="16200000" scaled="1"/>
+          <a:tileRect/>
+        </a:gradFill>
+        <a:ln>
+          <a:noFill/>
+        </a:ln>
+      </dgm:spPr>
+      <dgm:t>
+        <a:bodyPr/>
+        <a:lstStyle/>
+        <a:p>
+          <a:r>
+            <a:rPr lang="fr-FR" dirty="0"/>
+            <a:t>VBA</a:t>
+          </a:r>
+          <a:endParaRPr lang="en-US" dirty="0"/>
+        </a:p>
+      </dgm:t>
+    </dgm:pt>
+    <dgm:pt modelId="{3805C20F-D853-44FC-B6B4-60F3EE037614}" type="parTrans" cxnId="{F0FC359F-94AC-4C0B-802E-BC2A468EEFF3}">
+      <dgm:prSet/>
+      <dgm:spPr>
+        <a:ln w="57150"/>
+      </dgm:spPr>
+      <dgm:t>
+        <a:bodyPr/>
+        <a:lstStyle/>
+        <a:p>
+          <a:endParaRPr lang="en-US"/>
+        </a:p>
+      </dgm:t>
+    </dgm:pt>
+    <dgm:pt modelId="{0F7A19F4-EB5C-4DB7-9C6B-C8CA34D6F407}" type="sibTrans" cxnId="{F0FC359F-94AC-4C0B-802E-BC2A468EEFF3}">
+      <dgm:prSet/>
+      <dgm:spPr/>
+      <dgm:t>
+        <a:bodyPr/>
+        <a:lstStyle/>
+        <a:p>
+          <a:endParaRPr lang="en-US"/>
+        </a:p>
+      </dgm:t>
+    </dgm:pt>
+    <dgm:pt modelId="{0570DCEA-E78C-4F72-9ED5-148CC7441A79}">
+      <dgm:prSet phldrT="[Text]">
+        <dgm:style>
+          <a:lnRef idx="0">
+            <a:scrgbClr r="0" g="0" b="0"/>
+          </a:lnRef>
+          <a:fillRef idx="0">
+            <a:scrgbClr r="0" g="0" b="0"/>
+          </a:fillRef>
+          <a:effectRef idx="0">
+            <a:scrgbClr r="0" g="0" b="0"/>
+          </a:effectRef>
+          <a:fontRef idx="minor">
+            <a:schemeClr val="lt1"/>
+          </a:fontRef>
+        </dgm:style>
+      </dgm:prSet>
+      <dgm:spPr>
+        <a:gradFill flip="none" rotWithShape="1">
+          <a:gsLst>
+            <a:gs pos="0">
+              <a:schemeClr val="accent3">
+                <a:lumMod val="67000"/>
+              </a:schemeClr>
+            </a:gs>
+            <a:gs pos="48000">
+              <a:schemeClr val="accent3">
+                <a:lumMod val="97000"/>
+                <a:lumOff val="3000"/>
+              </a:schemeClr>
+            </a:gs>
+            <a:gs pos="100000">
+              <a:schemeClr val="accent3">
+                <a:lumMod val="60000"/>
+                <a:lumOff val="40000"/>
+              </a:schemeClr>
+            </a:gs>
+          </a:gsLst>
+          <a:lin ang="16200000" scaled="1"/>
+          <a:tileRect/>
+        </a:gradFill>
+        <a:ln>
+          <a:noFill/>
+        </a:ln>
+      </dgm:spPr>
+      <dgm:t>
+        <a:bodyPr/>
+        <a:lstStyle/>
+        <a:p>
+          <a:r>
+            <a:rPr lang="fr-FR" dirty="0"/>
+            <a:t>VBScript</a:t>
+          </a:r>
+          <a:endParaRPr lang="en-US" dirty="0"/>
+        </a:p>
+      </dgm:t>
+    </dgm:pt>
+    <dgm:pt modelId="{375510F5-3D95-41FA-A453-8B7281618115}" type="parTrans" cxnId="{EDEA88F8-FA7A-4B01-89BD-14E4801A763A}">
+      <dgm:prSet>
+        <dgm:style>
+          <a:lnRef idx="3">
+            <a:schemeClr val="dk1"/>
+          </a:lnRef>
+          <a:fillRef idx="0">
+            <a:schemeClr val="dk1"/>
+          </a:fillRef>
+          <a:effectRef idx="2">
+            <a:schemeClr val="dk1"/>
+          </a:effectRef>
+          <a:fontRef idx="minor">
+            <a:schemeClr val="tx1"/>
+          </a:fontRef>
+        </dgm:style>
+      </dgm:prSet>
+      <dgm:spPr>
+        <a:ln w="38100"/>
+      </dgm:spPr>
+      <dgm:t>
+        <a:bodyPr/>
+        <a:lstStyle/>
+        <a:p>
+          <a:endParaRPr lang="en-US"/>
+        </a:p>
+      </dgm:t>
+    </dgm:pt>
+    <dgm:pt modelId="{F900618B-64BE-4AED-B396-5ACD237B7AF1}" type="sibTrans" cxnId="{EDEA88F8-FA7A-4B01-89BD-14E4801A763A}">
+      <dgm:prSet/>
+      <dgm:spPr/>
+      <dgm:t>
+        <a:bodyPr/>
+        <a:lstStyle/>
+        <a:p>
+          <a:endParaRPr lang="en-US"/>
+        </a:p>
+      </dgm:t>
+    </dgm:pt>
+    <dgm:pt modelId="{27E73F0F-A8D8-4CDF-A061-3C7B1E08717A}" type="pres">
+      <dgm:prSet presAssocID="{426D9542-C3EC-4161-9946-A2014AF5CEFF}" presName="Name0" presStyleCnt="0">
+        <dgm:presLayoutVars>
+          <dgm:chPref val="1"/>
+          <dgm:dir/>
+          <dgm:animOne val="branch"/>
+          <dgm:animLvl val="lvl"/>
+          <dgm:resizeHandles val="exact"/>
+        </dgm:presLayoutVars>
+      </dgm:prSet>
+      <dgm:spPr/>
+    </dgm:pt>
+    <dgm:pt modelId="{1102A67F-3FB2-4EAB-9ADA-EFCC15286095}" type="pres">
+      <dgm:prSet presAssocID="{13B20F43-3F51-4724-AB58-8FAD5073F8FC}" presName="root1" presStyleCnt="0"/>
+      <dgm:spPr/>
+    </dgm:pt>
+    <dgm:pt modelId="{F448F99E-15DA-4345-B08E-5EFCFCD65929}" type="pres">
+      <dgm:prSet presAssocID="{13B20F43-3F51-4724-AB58-8FAD5073F8FC}" presName="LevelOneTextNode" presStyleLbl="node0" presStyleIdx="0" presStyleCnt="1" custAng="5400000" custScaleX="93574" custScaleY="21547">
+        <dgm:presLayoutVars>
+          <dgm:chPref val="3"/>
+        </dgm:presLayoutVars>
+      </dgm:prSet>
+      <dgm:spPr/>
+    </dgm:pt>
+    <dgm:pt modelId="{F2FA9E9F-E99F-4C9D-AC3C-25BE78C493EB}" type="pres">
+      <dgm:prSet presAssocID="{13B20F43-3F51-4724-AB58-8FAD5073F8FC}" presName="level2hierChild" presStyleCnt="0"/>
+      <dgm:spPr/>
+    </dgm:pt>
+    <dgm:pt modelId="{FE944CE6-DCDB-4B08-B12F-7239B53A1129}" type="pres">
+      <dgm:prSet presAssocID="{CBA8C2C4-6DE7-4591-8EDB-EBD97A485D9B}" presName="conn2-1" presStyleLbl="parChTrans1D2" presStyleIdx="0" presStyleCnt="3"/>
+      <dgm:spPr/>
+    </dgm:pt>
+    <dgm:pt modelId="{675A75DD-75DA-4DA5-A3F6-4806C5A3C4F9}" type="pres">
+      <dgm:prSet presAssocID="{CBA8C2C4-6DE7-4591-8EDB-EBD97A485D9B}" presName="connTx" presStyleLbl="parChTrans1D2" presStyleIdx="0" presStyleCnt="3"/>
+      <dgm:spPr/>
+    </dgm:pt>
+    <dgm:pt modelId="{7BA3F676-E25B-441F-B726-86CF8F90216E}" type="pres">
+      <dgm:prSet presAssocID="{144B28F3-9274-4D43-B06E-2F2214C61685}" presName="root2" presStyleCnt="0"/>
+      <dgm:spPr/>
+    </dgm:pt>
+    <dgm:pt modelId="{2CD4962E-5393-4F8A-BBCA-385A33DF99AD}" type="pres">
+      <dgm:prSet presAssocID="{144B28F3-9274-4D43-B06E-2F2214C61685}" presName="LevelTwoTextNode" presStyleLbl="node2" presStyleIdx="0" presStyleCnt="3">
+        <dgm:presLayoutVars>
+          <dgm:chPref val="3"/>
+        </dgm:presLayoutVars>
+      </dgm:prSet>
+      <dgm:spPr/>
+    </dgm:pt>
+    <dgm:pt modelId="{F4803D44-CE0B-4678-A569-70FDAC41AFCE}" type="pres">
+      <dgm:prSet presAssocID="{144B28F3-9274-4D43-B06E-2F2214C61685}" presName="level3hierChild" presStyleCnt="0"/>
+      <dgm:spPr/>
+    </dgm:pt>
+    <dgm:pt modelId="{0BCB0FC3-69D2-40D3-A7C5-9C7DE13735CC}" type="pres">
+      <dgm:prSet presAssocID="{3805C20F-D853-44FC-B6B4-60F3EE037614}" presName="conn2-1" presStyleLbl="parChTrans1D2" presStyleIdx="1" presStyleCnt="3"/>
+      <dgm:spPr/>
+    </dgm:pt>
+    <dgm:pt modelId="{34BB57C6-8AE1-4082-B3F3-5140C3BE9D5D}" type="pres">
+      <dgm:prSet presAssocID="{3805C20F-D853-44FC-B6B4-60F3EE037614}" presName="connTx" presStyleLbl="parChTrans1D2" presStyleIdx="1" presStyleCnt="3"/>
+      <dgm:spPr/>
+    </dgm:pt>
+    <dgm:pt modelId="{84A78D72-D349-4920-AF44-2C83B8D5DC7F}" type="pres">
+      <dgm:prSet presAssocID="{7739287D-A403-4C77-B051-AAFA4E86029B}" presName="root2" presStyleCnt="0"/>
+      <dgm:spPr/>
+    </dgm:pt>
+    <dgm:pt modelId="{6B473841-86BF-4CD2-B9EB-6CFFC94D9897}" type="pres">
+      <dgm:prSet presAssocID="{7739287D-A403-4C77-B051-AAFA4E86029B}" presName="LevelTwoTextNode" presStyleLbl="node2" presStyleIdx="1" presStyleCnt="3">
+        <dgm:presLayoutVars>
+          <dgm:chPref val="3"/>
+        </dgm:presLayoutVars>
+      </dgm:prSet>
+      <dgm:spPr/>
+    </dgm:pt>
+    <dgm:pt modelId="{B4283D81-27A2-4B32-895A-19B4795C5674}" type="pres">
+      <dgm:prSet presAssocID="{7739287D-A403-4C77-B051-AAFA4E86029B}" presName="level3hierChild" presStyleCnt="0"/>
+      <dgm:spPr/>
+    </dgm:pt>
+    <dgm:pt modelId="{0ADC1587-8D83-46CC-85B3-4590BAE7A055}" type="pres">
+      <dgm:prSet presAssocID="{375510F5-3D95-41FA-A453-8B7281618115}" presName="conn2-1" presStyleLbl="parChTrans1D2" presStyleIdx="2" presStyleCnt="3"/>
+      <dgm:spPr/>
+    </dgm:pt>
+    <dgm:pt modelId="{E1B880B3-C0DD-41FD-9CE9-8A8F2DFE8BF4}" type="pres">
+      <dgm:prSet presAssocID="{375510F5-3D95-41FA-A453-8B7281618115}" presName="connTx" presStyleLbl="parChTrans1D2" presStyleIdx="2" presStyleCnt="3"/>
+      <dgm:spPr/>
+    </dgm:pt>
+    <dgm:pt modelId="{8BB79BDE-90F2-4847-9322-A285E2BB8516}" type="pres">
+      <dgm:prSet presAssocID="{0570DCEA-E78C-4F72-9ED5-148CC7441A79}" presName="root2" presStyleCnt="0"/>
+      <dgm:spPr/>
+    </dgm:pt>
+    <dgm:pt modelId="{3650D640-A420-4FC2-94D6-237EB31D6E7D}" type="pres">
+      <dgm:prSet presAssocID="{0570DCEA-E78C-4F72-9ED5-148CC7441A79}" presName="LevelTwoTextNode" presStyleLbl="node2" presStyleIdx="2" presStyleCnt="3">
+        <dgm:presLayoutVars>
+          <dgm:chPref val="3"/>
+        </dgm:presLayoutVars>
+      </dgm:prSet>
+      <dgm:spPr/>
+    </dgm:pt>
+    <dgm:pt modelId="{2098C345-83E5-427C-B515-9CE8742CFF16}" type="pres">
+      <dgm:prSet presAssocID="{0570DCEA-E78C-4F72-9ED5-148CC7441A79}" presName="level3hierChild" presStyleCnt="0"/>
+      <dgm:spPr/>
+    </dgm:pt>
+  </dgm:ptLst>
+  <dgm:cxnLst>
+    <dgm:cxn modelId="{9328DB19-31A4-4EE0-8076-0AB13BCFC9C5}" type="presOf" srcId="{7739287D-A403-4C77-B051-AAFA4E86029B}" destId="{6B473841-86BF-4CD2-B9EB-6CFFC94D9897}" srcOrd="0" destOrd="0" presId="urn:microsoft.com/office/officeart/2008/layout/HorizontalMultiLevelHierarchy"/>
+    <dgm:cxn modelId="{3329F42F-41E1-4E77-9FD1-A7D8D7B96768}" type="presOf" srcId="{CBA8C2C4-6DE7-4591-8EDB-EBD97A485D9B}" destId="{FE944CE6-DCDB-4B08-B12F-7239B53A1129}" srcOrd="0" destOrd="0" presId="urn:microsoft.com/office/officeart/2008/layout/HorizontalMultiLevelHierarchy"/>
+    <dgm:cxn modelId="{53201746-25D2-4A0E-9101-611E92AD9453}" type="presOf" srcId="{426D9542-C3EC-4161-9946-A2014AF5CEFF}" destId="{27E73F0F-A8D8-4CDF-A061-3C7B1E08717A}" srcOrd="0" destOrd="0" presId="urn:microsoft.com/office/officeart/2008/layout/HorizontalMultiLevelHierarchy"/>
+    <dgm:cxn modelId="{001C5080-0885-436C-B59C-2C24AD463B41}" srcId="{13B20F43-3F51-4724-AB58-8FAD5073F8FC}" destId="{144B28F3-9274-4D43-B06E-2F2214C61685}" srcOrd="0" destOrd="0" parTransId="{CBA8C2C4-6DE7-4591-8EDB-EBD97A485D9B}" sibTransId="{102F8B0F-0B70-4D4E-ABB2-FD78FE2CF04A}"/>
+    <dgm:cxn modelId="{80D52F8B-6C5E-43E6-BDE3-1B91B9EAE49C}" type="presOf" srcId="{3805C20F-D853-44FC-B6B4-60F3EE037614}" destId="{34BB57C6-8AE1-4082-B3F3-5140C3BE9D5D}" srcOrd="1" destOrd="0" presId="urn:microsoft.com/office/officeart/2008/layout/HorizontalMultiLevelHierarchy"/>
+    <dgm:cxn modelId="{F0FC359F-94AC-4C0B-802E-BC2A468EEFF3}" srcId="{13B20F43-3F51-4724-AB58-8FAD5073F8FC}" destId="{7739287D-A403-4C77-B051-AAFA4E86029B}" srcOrd="1" destOrd="0" parTransId="{3805C20F-D853-44FC-B6B4-60F3EE037614}" sibTransId="{0F7A19F4-EB5C-4DB7-9C6B-C8CA34D6F407}"/>
+    <dgm:cxn modelId="{E9924DA3-961E-4E3A-8822-3E8F4482F9DD}" type="presOf" srcId="{144B28F3-9274-4D43-B06E-2F2214C61685}" destId="{2CD4962E-5393-4F8A-BBCA-385A33DF99AD}" srcOrd="0" destOrd="0" presId="urn:microsoft.com/office/officeart/2008/layout/HorizontalMultiLevelHierarchy"/>
+    <dgm:cxn modelId="{D18904B2-7D80-4C0B-A7EE-5FFABDD4F892}" srcId="{426D9542-C3EC-4161-9946-A2014AF5CEFF}" destId="{13B20F43-3F51-4724-AB58-8FAD5073F8FC}" srcOrd="0" destOrd="0" parTransId="{C2CCE1E0-C081-4C5B-9394-C463F0685657}" sibTransId="{4518CD95-136E-419D-9FED-9484EA69C9B8}"/>
+    <dgm:cxn modelId="{4DFFCAB2-844D-4337-81DB-331779677CE6}" type="presOf" srcId="{3805C20F-D853-44FC-B6B4-60F3EE037614}" destId="{0BCB0FC3-69D2-40D3-A7C5-9C7DE13735CC}" srcOrd="0" destOrd="0" presId="urn:microsoft.com/office/officeart/2008/layout/HorizontalMultiLevelHierarchy"/>
+    <dgm:cxn modelId="{2D41E4C7-37CA-4BB2-B661-A9EA78C1DC92}" type="presOf" srcId="{375510F5-3D95-41FA-A453-8B7281618115}" destId="{0ADC1587-8D83-46CC-85B3-4590BAE7A055}" srcOrd="0" destOrd="0" presId="urn:microsoft.com/office/officeart/2008/layout/HorizontalMultiLevelHierarchy"/>
+    <dgm:cxn modelId="{90B948CF-B944-4552-9499-B4B7B1FB3DBA}" type="presOf" srcId="{CBA8C2C4-6DE7-4591-8EDB-EBD97A485D9B}" destId="{675A75DD-75DA-4DA5-A3F6-4806C5A3C4F9}" srcOrd="1" destOrd="0" presId="urn:microsoft.com/office/officeart/2008/layout/HorizontalMultiLevelHierarchy"/>
+    <dgm:cxn modelId="{2F685BD3-5AAB-454B-A3B5-775E2C69E956}" type="presOf" srcId="{13B20F43-3F51-4724-AB58-8FAD5073F8FC}" destId="{F448F99E-15DA-4345-B08E-5EFCFCD65929}" srcOrd="0" destOrd="0" presId="urn:microsoft.com/office/officeart/2008/layout/HorizontalMultiLevelHierarchy"/>
+    <dgm:cxn modelId="{7F3362EE-873B-4B33-88A0-6C6ED8949B26}" type="presOf" srcId="{375510F5-3D95-41FA-A453-8B7281618115}" destId="{E1B880B3-C0DD-41FD-9CE9-8A8F2DFE8BF4}" srcOrd="1" destOrd="0" presId="urn:microsoft.com/office/officeart/2008/layout/HorizontalMultiLevelHierarchy"/>
+    <dgm:cxn modelId="{653377F5-C1DD-420C-93A7-57306620F7CB}" type="presOf" srcId="{0570DCEA-E78C-4F72-9ED5-148CC7441A79}" destId="{3650D640-A420-4FC2-94D6-237EB31D6E7D}" srcOrd="0" destOrd="0" presId="urn:microsoft.com/office/officeart/2008/layout/HorizontalMultiLevelHierarchy"/>
+    <dgm:cxn modelId="{EDEA88F8-FA7A-4B01-89BD-14E4801A763A}" srcId="{13B20F43-3F51-4724-AB58-8FAD5073F8FC}" destId="{0570DCEA-E78C-4F72-9ED5-148CC7441A79}" srcOrd="2" destOrd="0" parTransId="{375510F5-3D95-41FA-A453-8B7281618115}" sibTransId="{F900618B-64BE-4AED-B396-5ACD237B7AF1}"/>
+    <dgm:cxn modelId="{03A44221-63BD-4970-A574-CE86E4F51B8F}" type="presParOf" srcId="{27E73F0F-A8D8-4CDF-A061-3C7B1E08717A}" destId="{1102A67F-3FB2-4EAB-9ADA-EFCC15286095}" srcOrd="0" destOrd="0" presId="urn:microsoft.com/office/officeart/2008/layout/HorizontalMultiLevelHierarchy"/>
+    <dgm:cxn modelId="{A8FCA467-9CF6-45F8-84EF-90A49DFD9466}" type="presParOf" srcId="{1102A67F-3FB2-4EAB-9ADA-EFCC15286095}" destId="{F448F99E-15DA-4345-B08E-5EFCFCD65929}" srcOrd="0" destOrd="0" presId="urn:microsoft.com/office/officeart/2008/layout/HorizontalMultiLevelHierarchy"/>
+    <dgm:cxn modelId="{84E52BAB-1B03-48F0-AA31-3CD49FDF21D7}" type="presParOf" srcId="{1102A67F-3FB2-4EAB-9ADA-EFCC15286095}" destId="{F2FA9E9F-E99F-4C9D-AC3C-25BE78C493EB}" srcOrd="1" destOrd="0" presId="urn:microsoft.com/office/officeart/2008/layout/HorizontalMultiLevelHierarchy"/>
+    <dgm:cxn modelId="{2AA602B8-06B0-4487-8EC7-AB8973DB70DF}" type="presParOf" srcId="{F2FA9E9F-E99F-4C9D-AC3C-25BE78C493EB}" destId="{FE944CE6-DCDB-4B08-B12F-7239B53A1129}" srcOrd="0" destOrd="0" presId="urn:microsoft.com/office/officeart/2008/layout/HorizontalMultiLevelHierarchy"/>
+    <dgm:cxn modelId="{348F61CA-C1AE-44BF-8EB3-94B80FBF8391}" type="presParOf" srcId="{FE944CE6-DCDB-4B08-B12F-7239B53A1129}" destId="{675A75DD-75DA-4DA5-A3F6-4806C5A3C4F9}" srcOrd="0" destOrd="0" presId="urn:microsoft.com/office/officeart/2008/layout/HorizontalMultiLevelHierarchy"/>
+    <dgm:cxn modelId="{D43CDCFA-8E66-4988-89BD-5C1460DD8EB2}" type="presParOf" srcId="{F2FA9E9F-E99F-4C9D-AC3C-25BE78C493EB}" destId="{7BA3F676-E25B-441F-B726-86CF8F90216E}" srcOrd="1" destOrd="0" presId="urn:microsoft.com/office/officeart/2008/layout/HorizontalMultiLevelHierarchy"/>
+    <dgm:cxn modelId="{993B1BC5-A5F2-428A-B315-CB6E8E269089}" type="presParOf" srcId="{7BA3F676-E25B-441F-B726-86CF8F90216E}" destId="{2CD4962E-5393-4F8A-BBCA-385A33DF99AD}" srcOrd="0" destOrd="0" presId="urn:microsoft.com/office/officeart/2008/layout/HorizontalMultiLevelHierarchy"/>
+    <dgm:cxn modelId="{4677627D-03C8-4B38-9C8E-10B80D807844}" type="presParOf" srcId="{7BA3F676-E25B-441F-B726-86CF8F90216E}" destId="{F4803D44-CE0B-4678-A569-70FDAC41AFCE}" srcOrd="1" destOrd="0" presId="urn:microsoft.com/office/officeart/2008/layout/HorizontalMultiLevelHierarchy"/>
+    <dgm:cxn modelId="{ECFCB0A5-150B-4EDD-A867-959C3D1EDBC7}" type="presParOf" srcId="{F2FA9E9F-E99F-4C9D-AC3C-25BE78C493EB}" destId="{0BCB0FC3-69D2-40D3-A7C5-9C7DE13735CC}" srcOrd="2" destOrd="0" presId="urn:microsoft.com/office/officeart/2008/layout/HorizontalMultiLevelHierarchy"/>
+    <dgm:cxn modelId="{C66E8C34-F33F-4AE5-820B-4F5849FBDDF2}" type="presParOf" srcId="{0BCB0FC3-69D2-40D3-A7C5-9C7DE13735CC}" destId="{34BB57C6-8AE1-4082-B3F3-5140C3BE9D5D}" srcOrd="0" destOrd="0" presId="urn:microsoft.com/office/officeart/2008/layout/HorizontalMultiLevelHierarchy"/>
+    <dgm:cxn modelId="{71B58E3B-4F3B-498E-B088-386BB0B8F7A1}" type="presParOf" srcId="{F2FA9E9F-E99F-4C9D-AC3C-25BE78C493EB}" destId="{84A78D72-D349-4920-AF44-2C83B8D5DC7F}" srcOrd="3" destOrd="0" presId="urn:microsoft.com/office/officeart/2008/layout/HorizontalMultiLevelHierarchy"/>
+    <dgm:cxn modelId="{3027E7F4-F0D2-46A8-9AA6-45156FD8C71E}" type="presParOf" srcId="{84A78D72-D349-4920-AF44-2C83B8D5DC7F}" destId="{6B473841-86BF-4CD2-B9EB-6CFFC94D9897}" srcOrd="0" destOrd="0" presId="urn:microsoft.com/office/officeart/2008/layout/HorizontalMultiLevelHierarchy"/>
+    <dgm:cxn modelId="{CB53BE6C-62F2-4A32-9982-59ACD80F43AA}" type="presParOf" srcId="{84A78D72-D349-4920-AF44-2C83B8D5DC7F}" destId="{B4283D81-27A2-4B32-895A-19B4795C5674}" srcOrd="1" destOrd="0" presId="urn:microsoft.com/office/officeart/2008/layout/HorizontalMultiLevelHierarchy"/>
+    <dgm:cxn modelId="{75EE14EB-380B-42D3-A6C4-ED1EA33F0295}" type="presParOf" srcId="{F2FA9E9F-E99F-4C9D-AC3C-25BE78C493EB}" destId="{0ADC1587-8D83-46CC-85B3-4590BAE7A055}" srcOrd="4" destOrd="0" presId="urn:microsoft.com/office/officeart/2008/layout/HorizontalMultiLevelHierarchy"/>
+    <dgm:cxn modelId="{060A0448-7BAC-445D-9813-8FFC56E477F2}" type="presParOf" srcId="{0ADC1587-8D83-46CC-85B3-4590BAE7A055}" destId="{E1B880B3-C0DD-41FD-9CE9-8A8F2DFE8BF4}" srcOrd="0" destOrd="0" presId="urn:microsoft.com/office/officeart/2008/layout/HorizontalMultiLevelHierarchy"/>
+    <dgm:cxn modelId="{D6E4EE39-9525-437A-9C0C-4FDAD5988F1E}" type="presParOf" srcId="{F2FA9E9F-E99F-4C9D-AC3C-25BE78C493EB}" destId="{8BB79BDE-90F2-4847-9322-A285E2BB8516}" srcOrd="5" destOrd="0" presId="urn:microsoft.com/office/officeart/2008/layout/HorizontalMultiLevelHierarchy"/>
+    <dgm:cxn modelId="{A450E891-F0D9-4CE9-BC3F-15D562211AE3}" type="presParOf" srcId="{8BB79BDE-90F2-4847-9322-A285E2BB8516}" destId="{3650D640-A420-4FC2-94D6-237EB31D6E7D}" srcOrd="0" destOrd="0" presId="urn:microsoft.com/office/officeart/2008/layout/HorizontalMultiLevelHierarchy"/>
+    <dgm:cxn modelId="{A6E583FF-9E70-4ECA-B365-3A124494A50B}" type="presParOf" srcId="{8BB79BDE-90F2-4847-9322-A285E2BB8516}" destId="{2098C345-83E5-427C-B515-9CE8742CFF16}" srcOrd="1" destOrd="0" presId="urn:microsoft.com/office/officeart/2008/layout/HorizontalMultiLevelHierarchy"/>
   </dgm:cxnLst>
   <dgm:bg/>
   <dgm:whole/>
@@ -5868,6 +7127,599 @@
 </dsp:drawing>
 </file>
 
+<file path=ppt/diagrams/drawing3.xml><?xml version="1.0" encoding="utf-8"?>
+<dsp:drawing xmlns:dgm="http://schemas.openxmlformats.org/drawingml/2006/diagram" xmlns:dsp="http://schemas.microsoft.com/office/drawing/2008/diagram" xmlns:a="http://schemas.openxmlformats.org/drawingml/2006/main">
+  <dsp:spTree>
+    <dsp:nvGrpSpPr>
+      <dsp:cNvPr id="0" name=""/>
+      <dsp:cNvGrpSpPr/>
+    </dsp:nvGrpSpPr>
+    <dsp:grpSpPr/>
+    <dsp:sp modelId="{0ADC1587-8D83-46CC-85B3-4590BAE7A055}">
+      <dsp:nvSpPr>
+        <dsp:cNvPr id="0" name=""/>
+        <dsp:cNvSpPr/>
+      </dsp:nvSpPr>
+      <dsp:spPr>
+        <a:xfrm>
+          <a:off x="2519546" y="2709333"/>
+          <a:ext cx="675382" cy="1286933"/>
+        </a:xfrm>
+        <a:custGeom>
+          <a:avLst/>
+          <a:gdLst/>
+          <a:ahLst/>
+          <a:cxnLst/>
+          <a:rect l="0" t="0" r="0" b="0"/>
+          <a:pathLst>
+            <a:path>
+              <a:moveTo>
+                <a:pt x="0" y="0"/>
+              </a:moveTo>
+              <a:lnTo>
+                <a:pt x="337691" y="0"/>
+              </a:lnTo>
+              <a:lnTo>
+                <a:pt x="337691" y="1286933"/>
+              </a:lnTo>
+              <a:lnTo>
+                <a:pt x="675382" y="1286933"/>
+              </a:lnTo>
+            </a:path>
+          </a:pathLst>
+        </a:custGeom>
+        <a:noFill/>
+        <a:ln w="38100" cap="flat" cmpd="sng" algn="ctr">
+          <a:solidFill>
+            <a:schemeClr val="dk1"/>
+          </a:solidFill>
+          <a:prstDash val="solid"/>
+          <a:miter lim="800000"/>
+        </a:ln>
+        <a:effectLst/>
+      </dsp:spPr>
+      <dsp:style>
+        <a:lnRef idx="3">
+          <a:schemeClr val="dk1"/>
+        </a:lnRef>
+        <a:fillRef idx="0">
+          <a:schemeClr val="dk1"/>
+        </a:fillRef>
+        <a:effectRef idx="2">
+          <a:schemeClr val="dk1"/>
+        </a:effectRef>
+        <a:fontRef idx="minor">
+          <a:schemeClr val="tx1"/>
+        </a:fontRef>
+      </dsp:style>
+      <dsp:txBody>
+        <a:bodyPr spcFirstLastPara="0" vert="horz" wrap="square" lIns="12700" tIns="0" rIns="12700" bIns="0" numCol="1" spcCol="1270" anchor="ctr" anchorCtr="0">
+          <a:noAutofit/>
+        </a:bodyPr>
+        <a:lstStyle/>
+        <a:p>
+          <a:pPr marL="0" lvl="0" indent="0" algn="ctr" defTabSz="222250">
+            <a:lnSpc>
+              <a:spcPct val="90000"/>
+            </a:lnSpc>
+            <a:spcBef>
+              <a:spcPct val="0"/>
+            </a:spcBef>
+            <a:spcAft>
+              <a:spcPct val="35000"/>
+            </a:spcAft>
+            <a:buNone/>
+          </a:pPr>
+          <a:endParaRPr lang="en-US" sz="500" kern="1200"/>
+        </a:p>
+      </dsp:txBody>
+      <dsp:txXfrm>
+        <a:off x="2820902" y="3316465"/>
+        <a:ext cx="72669" cy="72669"/>
+      </dsp:txXfrm>
+    </dsp:sp>
+    <dsp:sp modelId="{0BCB0FC3-69D2-40D3-A7C5-9C7DE13735CC}">
+      <dsp:nvSpPr>
+        <dsp:cNvPr id="0" name=""/>
+        <dsp:cNvSpPr/>
+      </dsp:nvSpPr>
+      <dsp:spPr>
+        <a:xfrm>
+          <a:off x="2519546" y="2663613"/>
+          <a:ext cx="675382" cy="91440"/>
+        </a:xfrm>
+        <a:custGeom>
+          <a:avLst/>
+          <a:gdLst/>
+          <a:ahLst/>
+          <a:cxnLst/>
+          <a:rect l="0" t="0" r="0" b="0"/>
+          <a:pathLst>
+            <a:path>
+              <a:moveTo>
+                <a:pt x="0" y="45720"/>
+              </a:moveTo>
+              <a:lnTo>
+                <a:pt x="675382" y="45720"/>
+              </a:lnTo>
+            </a:path>
+          </a:pathLst>
+        </a:custGeom>
+        <a:noFill/>
+        <a:ln w="57150" cap="flat" cmpd="sng" algn="ctr">
+          <a:solidFill>
+            <a:scrgbClr r="0" g="0" b="0"/>
+          </a:solidFill>
+          <a:prstDash val="solid"/>
+          <a:miter lim="800000"/>
+        </a:ln>
+        <a:effectLst/>
+      </dsp:spPr>
+      <dsp:style>
+        <a:lnRef idx="2">
+          <a:scrgbClr r="0" g="0" b="0"/>
+        </a:lnRef>
+        <a:fillRef idx="0">
+          <a:scrgbClr r="0" g="0" b="0"/>
+        </a:fillRef>
+        <a:effectRef idx="0">
+          <a:scrgbClr r="0" g="0" b="0"/>
+        </a:effectRef>
+        <a:fontRef idx="minor"/>
+      </dsp:style>
+      <dsp:txBody>
+        <a:bodyPr spcFirstLastPara="0" vert="horz" wrap="square" lIns="12700" tIns="0" rIns="12700" bIns="0" numCol="1" spcCol="1270" anchor="ctr" anchorCtr="0">
+          <a:noAutofit/>
+        </a:bodyPr>
+        <a:lstStyle/>
+        <a:p>
+          <a:pPr marL="0" lvl="0" indent="0" algn="ctr" defTabSz="222250">
+            <a:lnSpc>
+              <a:spcPct val="90000"/>
+            </a:lnSpc>
+            <a:spcBef>
+              <a:spcPct val="0"/>
+            </a:spcBef>
+            <a:spcAft>
+              <a:spcPct val="35000"/>
+            </a:spcAft>
+            <a:buNone/>
+          </a:pPr>
+          <a:endParaRPr lang="en-US" sz="500" kern="1200"/>
+        </a:p>
+      </dsp:txBody>
+      <dsp:txXfrm>
+        <a:off x="2840352" y="2692448"/>
+        <a:ext cx="33769" cy="33769"/>
+      </dsp:txXfrm>
+    </dsp:sp>
+    <dsp:sp modelId="{FE944CE6-DCDB-4B08-B12F-7239B53A1129}">
+      <dsp:nvSpPr>
+        <dsp:cNvPr id="0" name=""/>
+        <dsp:cNvSpPr/>
+      </dsp:nvSpPr>
+      <dsp:spPr>
+        <a:xfrm>
+          <a:off x="2519546" y="1422400"/>
+          <a:ext cx="675382" cy="1286933"/>
+        </a:xfrm>
+        <a:custGeom>
+          <a:avLst/>
+          <a:gdLst/>
+          <a:ahLst/>
+          <a:cxnLst/>
+          <a:rect l="0" t="0" r="0" b="0"/>
+          <a:pathLst>
+            <a:path>
+              <a:moveTo>
+                <a:pt x="0" y="1286933"/>
+              </a:moveTo>
+              <a:lnTo>
+                <a:pt x="337691" y="1286933"/>
+              </a:lnTo>
+              <a:lnTo>
+                <a:pt x="337691" y="0"/>
+              </a:lnTo>
+              <a:lnTo>
+                <a:pt x="675382" y="0"/>
+              </a:lnTo>
+            </a:path>
+          </a:pathLst>
+        </a:custGeom>
+        <a:noFill/>
+        <a:ln w="38100" cap="flat" cmpd="sng" algn="ctr">
+          <a:solidFill>
+            <a:schemeClr val="dk1"/>
+          </a:solidFill>
+          <a:prstDash val="solid"/>
+          <a:miter lim="800000"/>
+        </a:ln>
+        <a:effectLst/>
+      </dsp:spPr>
+      <dsp:style>
+        <a:lnRef idx="3">
+          <a:schemeClr val="dk1"/>
+        </a:lnRef>
+        <a:fillRef idx="0">
+          <a:schemeClr val="dk1"/>
+        </a:fillRef>
+        <a:effectRef idx="2">
+          <a:schemeClr val="dk1"/>
+        </a:effectRef>
+        <a:fontRef idx="minor">
+          <a:schemeClr val="tx1"/>
+        </a:fontRef>
+      </dsp:style>
+      <dsp:txBody>
+        <a:bodyPr spcFirstLastPara="0" vert="horz" wrap="square" lIns="12700" tIns="0" rIns="12700" bIns="0" numCol="1" spcCol="1270" anchor="ctr" anchorCtr="0">
+          <a:noAutofit/>
+        </a:bodyPr>
+        <a:lstStyle/>
+        <a:p>
+          <a:pPr marL="0" lvl="0" indent="0" algn="ctr" defTabSz="222250">
+            <a:lnSpc>
+              <a:spcPct val="90000"/>
+            </a:lnSpc>
+            <a:spcBef>
+              <a:spcPct val="0"/>
+            </a:spcBef>
+            <a:spcAft>
+              <a:spcPct val="35000"/>
+            </a:spcAft>
+            <a:buNone/>
+          </a:pPr>
+          <a:endParaRPr lang="en-US" sz="500" kern="1200"/>
+        </a:p>
+      </dsp:txBody>
+      <dsp:txXfrm>
+        <a:off x="2820902" y="2029532"/>
+        <a:ext cx="72669" cy="72669"/>
+      </dsp:txXfrm>
+    </dsp:sp>
+    <dsp:sp modelId="{F448F99E-15DA-4345-B08E-5EFCFCD65929}">
+      <dsp:nvSpPr>
+        <dsp:cNvPr id="0" name=""/>
+        <dsp:cNvSpPr/>
+      </dsp:nvSpPr>
+      <dsp:spPr>
+        <a:xfrm>
+          <a:off x="1454071" y="2227639"/>
+          <a:ext cx="1167560" cy="963388"/>
+        </a:xfrm>
+        <a:prstGeom prst="rect">
+          <a:avLst/>
+        </a:prstGeom>
+        <a:gradFill flip="none" rotWithShape="1">
+          <a:gsLst>
+            <a:gs pos="0">
+              <a:schemeClr val="accent1">
+                <a:lumMod val="67000"/>
+              </a:schemeClr>
+            </a:gs>
+            <a:gs pos="48000">
+              <a:schemeClr val="accent1">
+                <a:lumMod val="97000"/>
+                <a:lumOff val="3000"/>
+              </a:schemeClr>
+            </a:gs>
+            <a:gs pos="100000">
+              <a:schemeClr val="accent1">
+                <a:lumMod val="60000"/>
+                <a:lumOff val="40000"/>
+              </a:schemeClr>
+            </a:gs>
+          </a:gsLst>
+          <a:lin ang="16200000" scaled="1"/>
+          <a:tileRect/>
+        </a:gradFill>
+        <a:ln>
+          <a:noFill/>
+        </a:ln>
+        <a:effectLst/>
+      </dsp:spPr>
+      <dsp:style>
+        <a:lnRef idx="0">
+          <a:scrgbClr r="0" g="0" b="0"/>
+        </a:lnRef>
+        <a:fillRef idx="0">
+          <a:scrgbClr r="0" g="0" b="0"/>
+        </a:fillRef>
+        <a:effectRef idx="0">
+          <a:scrgbClr r="0" g="0" b="0"/>
+        </a:effectRef>
+        <a:fontRef idx="minor">
+          <a:schemeClr val="lt1"/>
+        </a:fontRef>
+      </dsp:style>
+      <dsp:txBody>
+        <a:bodyPr spcFirstLastPara="0" vert="horz" wrap="square" lIns="40005" tIns="40005" rIns="40005" bIns="40005" numCol="1" spcCol="1270" anchor="ctr" anchorCtr="0">
+          <a:noAutofit/>
+        </a:bodyPr>
+        <a:lstStyle/>
+        <a:p>
+          <a:pPr marL="0" lvl="0" indent="0" algn="ctr" defTabSz="2800350">
+            <a:lnSpc>
+              <a:spcPct val="90000"/>
+            </a:lnSpc>
+            <a:spcBef>
+              <a:spcPct val="0"/>
+            </a:spcBef>
+            <a:spcAft>
+              <a:spcPct val="35000"/>
+            </a:spcAft>
+            <a:buNone/>
+          </a:pPr>
+          <a:r>
+            <a:rPr lang="fr-FR" sz="6300" kern="1200" dirty="0"/>
+            <a:t>VB</a:t>
+          </a:r>
+          <a:endParaRPr lang="en-US" sz="6300" kern="1200" dirty="0"/>
+        </a:p>
+      </dsp:txBody>
+      <dsp:txXfrm>
+        <a:off x="1454071" y="2227639"/>
+        <a:ext cx="1167560" cy="963388"/>
+      </dsp:txXfrm>
+    </dsp:sp>
+    <dsp:sp modelId="{2CD4962E-5393-4F8A-BBCA-385A33DF99AD}">
+      <dsp:nvSpPr>
+        <dsp:cNvPr id="0" name=""/>
+        <dsp:cNvSpPr/>
+      </dsp:nvSpPr>
+      <dsp:spPr>
+        <a:xfrm>
+          <a:off x="3194928" y="907626"/>
+          <a:ext cx="3376913" cy="1029546"/>
+        </a:xfrm>
+        <a:prstGeom prst="rect">
+          <a:avLst/>
+        </a:prstGeom>
+        <a:gradFill flip="none" rotWithShape="1">
+          <a:gsLst>
+            <a:gs pos="0">
+              <a:schemeClr val="accent4">
+                <a:lumMod val="67000"/>
+              </a:schemeClr>
+            </a:gs>
+            <a:gs pos="48000">
+              <a:schemeClr val="accent4">
+                <a:lumMod val="97000"/>
+                <a:lumOff val="3000"/>
+              </a:schemeClr>
+            </a:gs>
+            <a:gs pos="100000">
+              <a:schemeClr val="accent4">
+                <a:lumMod val="60000"/>
+                <a:lumOff val="40000"/>
+              </a:schemeClr>
+            </a:gs>
+          </a:gsLst>
+          <a:lin ang="16200000" scaled="1"/>
+          <a:tileRect/>
+        </a:gradFill>
+        <a:ln>
+          <a:noFill/>
+        </a:ln>
+        <a:effectLst/>
+      </dsp:spPr>
+      <dsp:style>
+        <a:lnRef idx="0">
+          <a:scrgbClr r="0" g="0" b="0"/>
+        </a:lnRef>
+        <a:fillRef idx="0">
+          <a:scrgbClr r="0" g="0" b="0"/>
+        </a:fillRef>
+        <a:effectRef idx="0">
+          <a:scrgbClr r="0" g="0" b="0"/>
+        </a:effectRef>
+        <a:fontRef idx="minor">
+          <a:schemeClr val="lt1"/>
+        </a:fontRef>
+      </dsp:style>
+      <dsp:txBody>
+        <a:bodyPr spcFirstLastPara="0" vert="horz" wrap="square" lIns="40005" tIns="40005" rIns="40005" bIns="40005" numCol="1" spcCol="1270" anchor="ctr" anchorCtr="0">
+          <a:noAutofit/>
+        </a:bodyPr>
+        <a:lstStyle/>
+        <a:p>
+          <a:pPr marL="0" lvl="0" indent="0" algn="ctr" defTabSz="2800350">
+            <a:lnSpc>
+              <a:spcPct val="90000"/>
+            </a:lnSpc>
+            <a:spcBef>
+              <a:spcPct val="0"/>
+            </a:spcBef>
+            <a:spcAft>
+              <a:spcPct val="35000"/>
+            </a:spcAft>
+            <a:buNone/>
+          </a:pPr>
+          <a:r>
+            <a:rPr lang="fr-FR" sz="6300" kern="1200" dirty="0"/>
+            <a:t>VB6</a:t>
+          </a:r>
+          <a:endParaRPr lang="en-US" sz="6300" kern="1200" dirty="0"/>
+        </a:p>
+      </dsp:txBody>
+      <dsp:txXfrm>
+        <a:off x="3194928" y="907626"/>
+        <a:ext cx="3376913" cy="1029546"/>
+      </dsp:txXfrm>
+    </dsp:sp>
+    <dsp:sp modelId="{6B473841-86BF-4CD2-B9EB-6CFFC94D9897}">
+      <dsp:nvSpPr>
+        <dsp:cNvPr id="0" name=""/>
+        <dsp:cNvSpPr/>
+      </dsp:nvSpPr>
+      <dsp:spPr>
+        <a:xfrm>
+          <a:off x="3194928" y="2194560"/>
+          <a:ext cx="3376913" cy="1029546"/>
+        </a:xfrm>
+        <a:prstGeom prst="rect">
+          <a:avLst/>
+        </a:prstGeom>
+        <a:gradFill flip="none" rotWithShape="1">
+          <a:gsLst>
+            <a:gs pos="0">
+              <a:schemeClr val="accent6">
+                <a:lumMod val="67000"/>
+              </a:schemeClr>
+            </a:gs>
+            <a:gs pos="48000">
+              <a:schemeClr val="accent6">
+                <a:lumMod val="97000"/>
+                <a:lumOff val="3000"/>
+              </a:schemeClr>
+            </a:gs>
+            <a:gs pos="100000">
+              <a:schemeClr val="accent6">
+                <a:lumMod val="60000"/>
+                <a:lumOff val="40000"/>
+              </a:schemeClr>
+            </a:gs>
+          </a:gsLst>
+          <a:lin ang="16200000" scaled="1"/>
+          <a:tileRect/>
+        </a:gradFill>
+        <a:ln>
+          <a:noFill/>
+        </a:ln>
+        <a:effectLst/>
+      </dsp:spPr>
+      <dsp:style>
+        <a:lnRef idx="0">
+          <a:scrgbClr r="0" g="0" b="0"/>
+        </a:lnRef>
+        <a:fillRef idx="0">
+          <a:scrgbClr r="0" g="0" b="0"/>
+        </a:fillRef>
+        <a:effectRef idx="0">
+          <a:scrgbClr r="0" g="0" b="0"/>
+        </a:effectRef>
+        <a:fontRef idx="minor">
+          <a:schemeClr val="lt1"/>
+        </a:fontRef>
+      </dsp:style>
+      <dsp:txBody>
+        <a:bodyPr spcFirstLastPara="0" vert="horz" wrap="square" lIns="40005" tIns="40005" rIns="40005" bIns="40005" numCol="1" spcCol="1270" anchor="ctr" anchorCtr="0">
+          <a:noAutofit/>
+        </a:bodyPr>
+        <a:lstStyle/>
+        <a:p>
+          <a:pPr marL="0" lvl="0" indent="0" algn="ctr" defTabSz="2800350">
+            <a:lnSpc>
+              <a:spcPct val="90000"/>
+            </a:lnSpc>
+            <a:spcBef>
+              <a:spcPct val="0"/>
+            </a:spcBef>
+            <a:spcAft>
+              <a:spcPct val="35000"/>
+            </a:spcAft>
+            <a:buNone/>
+          </a:pPr>
+          <a:r>
+            <a:rPr lang="fr-FR" sz="6300" kern="1200" dirty="0"/>
+            <a:t>VBA</a:t>
+          </a:r>
+          <a:endParaRPr lang="en-US" sz="6300" kern="1200" dirty="0"/>
+        </a:p>
+      </dsp:txBody>
+      <dsp:txXfrm>
+        <a:off x="3194928" y="2194560"/>
+        <a:ext cx="3376913" cy="1029546"/>
+      </dsp:txXfrm>
+    </dsp:sp>
+    <dsp:sp modelId="{3650D640-A420-4FC2-94D6-237EB31D6E7D}">
+      <dsp:nvSpPr>
+        <dsp:cNvPr id="0" name=""/>
+        <dsp:cNvSpPr/>
+      </dsp:nvSpPr>
+      <dsp:spPr>
+        <a:xfrm>
+          <a:off x="3194928" y="3481493"/>
+          <a:ext cx="3376913" cy="1029546"/>
+        </a:xfrm>
+        <a:prstGeom prst="rect">
+          <a:avLst/>
+        </a:prstGeom>
+        <a:gradFill flip="none" rotWithShape="1">
+          <a:gsLst>
+            <a:gs pos="0">
+              <a:schemeClr val="accent3">
+                <a:lumMod val="67000"/>
+              </a:schemeClr>
+            </a:gs>
+            <a:gs pos="48000">
+              <a:schemeClr val="accent3">
+                <a:lumMod val="97000"/>
+                <a:lumOff val="3000"/>
+              </a:schemeClr>
+            </a:gs>
+            <a:gs pos="100000">
+              <a:schemeClr val="accent3">
+                <a:lumMod val="60000"/>
+                <a:lumOff val="40000"/>
+              </a:schemeClr>
+            </a:gs>
+          </a:gsLst>
+          <a:lin ang="16200000" scaled="1"/>
+          <a:tileRect/>
+        </a:gradFill>
+        <a:ln>
+          <a:noFill/>
+        </a:ln>
+        <a:effectLst/>
+      </dsp:spPr>
+      <dsp:style>
+        <a:lnRef idx="0">
+          <a:scrgbClr r="0" g="0" b="0"/>
+        </a:lnRef>
+        <a:fillRef idx="0">
+          <a:scrgbClr r="0" g="0" b="0"/>
+        </a:fillRef>
+        <a:effectRef idx="0">
+          <a:scrgbClr r="0" g="0" b="0"/>
+        </a:effectRef>
+        <a:fontRef idx="minor">
+          <a:schemeClr val="lt1"/>
+        </a:fontRef>
+      </dsp:style>
+      <dsp:txBody>
+        <a:bodyPr spcFirstLastPara="0" vert="horz" wrap="square" lIns="40005" tIns="40005" rIns="40005" bIns="40005" numCol="1" spcCol="1270" anchor="ctr" anchorCtr="0">
+          <a:noAutofit/>
+        </a:bodyPr>
+        <a:lstStyle/>
+        <a:p>
+          <a:pPr marL="0" lvl="0" indent="0" algn="ctr" defTabSz="2800350">
+            <a:lnSpc>
+              <a:spcPct val="90000"/>
+            </a:lnSpc>
+            <a:spcBef>
+              <a:spcPct val="0"/>
+            </a:spcBef>
+            <a:spcAft>
+              <a:spcPct val="35000"/>
+            </a:spcAft>
+            <a:buNone/>
+          </a:pPr>
+          <a:r>
+            <a:rPr lang="fr-FR" sz="6300" kern="1200" dirty="0"/>
+            <a:t>VBScript</a:t>
+          </a:r>
+          <a:endParaRPr lang="en-US" sz="6300" kern="1200" dirty="0"/>
+        </a:p>
+      </dsp:txBody>
+      <dsp:txXfrm>
+        <a:off x="3194928" y="3481493"/>
+        <a:ext cx="3376913" cy="1029546"/>
+      </dsp:txXfrm>
+    </dsp:sp>
+  </dsp:spTree>
+</dsp:drawing>
+</file>
+
 <file path=ppt/diagrams/layout1.xml><?xml version="1.0" encoding="utf-8"?>
 <dgm:layoutDef xmlns:dgm="http://schemas.openxmlformats.org/drawingml/2006/diagram" xmlns:a="http://schemas.openxmlformats.org/drawingml/2006/main" uniqueId="urn:microsoft.com/office/officeart/2005/8/layout/hProcess6">
   <dgm:title val=""/>
@@ -7343,6 +9195,329 @@
 </dgm:layoutDef>
 </file>
 
+<file path=ppt/diagrams/layout3.xml><?xml version="1.0" encoding="utf-8"?>
+<dgm:layoutDef xmlns:dgm="http://schemas.openxmlformats.org/drawingml/2006/diagram" xmlns:a="http://schemas.openxmlformats.org/drawingml/2006/main" uniqueId="urn:microsoft.com/office/officeart/2008/layout/HorizontalMultiLevelHierarchy">
+  <dgm:title val=""/>
+  <dgm:desc val=""/>
+  <dgm:catLst>
+    <dgm:cat type="hierarchy" pri="4600"/>
+  </dgm:catLst>
+  <dgm:sampData>
+    <dgm:dataModel>
+      <dgm:ptLst>
+        <dgm:pt modelId="0" type="doc"/>
+        <dgm:pt modelId="1">
+          <dgm:prSet phldr="1"/>
+        </dgm:pt>
+        <dgm:pt modelId="11">
+          <dgm:prSet phldr="1"/>
+        </dgm:pt>
+        <dgm:pt modelId="12">
+          <dgm:prSet phldr="1"/>
+        </dgm:pt>
+        <dgm:pt modelId="13">
+          <dgm:prSet phldr="1"/>
+        </dgm:pt>
+      </dgm:ptLst>
+      <dgm:cxnLst>
+        <dgm:cxn modelId="2" srcId="0" destId="1" srcOrd="0" destOrd="0"/>
+        <dgm:cxn modelId="3" srcId="1" destId="11" srcOrd="0" destOrd="0"/>
+        <dgm:cxn modelId="4" srcId="1" destId="12" srcOrd="1" destOrd="0"/>
+        <dgm:cxn modelId="5" srcId="1" destId="13" srcOrd="2" destOrd="0"/>
+      </dgm:cxnLst>
+      <dgm:bg/>
+      <dgm:whole/>
+    </dgm:dataModel>
+  </dgm:sampData>
+  <dgm:styleData>
+    <dgm:dataModel>
+      <dgm:ptLst>
+        <dgm:pt modelId="0" type="doc"/>
+        <dgm:pt modelId="1">
+          <dgm:prSet phldr="1"/>
+        </dgm:pt>
+        <dgm:pt modelId="11">
+          <dgm:prSet phldr="1"/>
+        </dgm:pt>
+        <dgm:pt modelId="12">
+          <dgm:prSet phldr="1"/>
+        </dgm:pt>
+      </dgm:ptLst>
+      <dgm:cxnLst>
+        <dgm:cxn modelId="2" srcId="0" destId="1" srcOrd="0" destOrd="0"/>
+        <dgm:cxn modelId="3" srcId="1" destId="11" srcOrd="0" destOrd="0"/>
+        <dgm:cxn modelId="4" srcId="1" destId="12" srcOrd="1" destOrd="0"/>
+      </dgm:cxnLst>
+      <dgm:bg/>
+      <dgm:whole/>
+    </dgm:dataModel>
+  </dgm:styleData>
+  <dgm:clrData>
+    <dgm:dataModel>
+      <dgm:ptLst>
+        <dgm:pt modelId="0" type="doc"/>
+        <dgm:pt modelId="1">
+          <dgm:prSet phldr="1"/>
+        </dgm:pt>
+        <dgm:pt modelId="11">
+          <dgm:prSet phldr="1"/>
+        </dgm:pt>
+        <dgm:pt modelId="12">
+          <dgm:prSet phldr="1"/>
+        </dgm:pt>
+        <dgm:pt modelId="13">
+          <dgm:prSet phldr="1"/>
+        </dgm:pt>
+      </dgm:ptLst>
+      <dgm:cxnLst>
+        <dgm:cxn modelId="2" srcId="0" destId="1" srcOrd="0" destOrd="0"/>
+        <dgm:cxn modelId="3" srcId="1" destId="11" srcOrd="0" destOrd="0"/>
+        <dgm:cxn modelId="4" srcId="1" destId="12" srcOrd="1" destOrd="0"/>
+        <dgm:cxn modelId="5" srcId="1" destId="13" srcOrd="2" destOrd="0"/>
+      </dgm:cxnLst>
+      <dgm:bg/>
+      <dgm:whole/>
+    </dgm:dataModel>
+  </dgm:clrData>
+  <dgm:layoutNode name="Name0">
+    <dgm:varLst>
+      <dgm:chPref val="1"/>
+      <dgm:dir/>
+      <dgm:animOne val="branch"/>
+      <dgm:animLvl val="lvl"/>
+      <dgm:resizeHandles val="exact"/>
+    </dgm:varLst>
+    <dgm:choose name="Name1">
+      <dgm:if name="Name2" func="var" arg="dir" op="equ" val="norm">
+        <dgm:alg type="hierChild">
+          <dgm:param type="linDir" val="fromT"/>
+          <dgm:param type="chAlign" val="l"/>
+        </dgm:alg>
+      </dgm:if>
+      <dgm:else name="Name3">
+        <dgm:alg type="hierChild">
+          <dgm:param type="linDir" val="fromT"/>
+          <dgm:param type="chAlign" val="r"/>
+        </dgm:alg>
+      </dgm:else>
+    </dgm:choose>
+    <dgm:shape xmlns:r="http://schemas.openxmlformats.org/officeDocument/2006/relationships" r:blip="">
+      <dgm:adjLst/>
+    </dgm:shape>
+    <dgm:presOf/>
+    <dgm:constrLst>
+      <dgm:constr type="h" for="des" forName="LevelOneTextNode" refType="h"/>
+      <dgm:constr type="w" for="des" forName="LevelOneTextNode" refType="h" refFor="des" refForName="LevelOneTextNode" fact="0.19"/>
+      <dgm:constr type="h" for="des" forName="LevelTwoTextNode" refType="w" refFor="des" refForName="LevelOneTextNode"/>
+      <dgm:constr type="w" for="des" forName="LevelTwoTextNode" refType="h" refFor="des" refForName="LevelTwoTextNode" fact="3.28"/>
+      <dgm:constr type="sibSp" refType="h" refFor="des" refForName="LevelTwoTextNode" op="equ" fact="0.25"/>
+      <dgm:constr type="sibSp" for="des" forName="level2hierChild" refType="h" refFor="des" refForName="LevelTwoTextNode" op="equ" fact="0.25"/>
+      <dgm:constr type="sibSp" for="des" forName="level3hierChild" refType="h" refFor="des" refForName="LevelTwoTextNode" op="equ" fact="0.25"/>
+      <dgm:constr type="sp" for="des" forName="root1" refType="w" refFor="des" refForName="LevelTwoTextNode" fact="0.2"/>
+      <dgm:constr type="sp" for="des" forName="root2" refType="sp" refFor="des" refForName="root1" op="equ"/>
+      <dgm:constr type="primFontSz" for="des" forName="LevelOneTextNode" op="equ" val="65"/>
+      <dgm:constr type="primFontSz" for="des" forName="LevelTwoTextNode" op="equ" val="65"/>
+      <dgm:constr type="primFontSz" for="des" forName="LevelTwoTextNode" refType="primFontSz" refFor="des" refForName="LevelOneTextNode" op="lte"/>
+      <dgm:constr type="primFontSz" for="des" forName="connTx" op="equ" val="50"/>
+      <dgm:constr type="primFontSz" for="des" forName="connTx" refType="primFontSz" refFor="des" refForName="LevelOneTextNode" op="lte" fact="0.78"/>
+    </dgm:constrLst>
+    <dgm:forEach name="Name4" axis="ch">
+      <dgm:forEach name="Name5" axis="self" ptType="node">
+        <dgm:layoutNode name="root1">
+          <dgm:choose name="Name6">
+            <dgm:if name="Name7" func="var" arg="dir" op="equ" val="norm">
+              <dgm:alg type="hierRoot">
+                <dgm:param type="hierAlign" val="lCtrCh"/>
+              </dgm:alg>
+            </dgm:if>
+            <dgm:else name="Name8">
+              <dgm:alg type="hierRoot">
+                <dgm:param type="hierAlign" val="rCtrCh"/>
+              </dgm:alg>
+            </dgm:else>
+          </dgm:choose>
+          <dgm:shape xmlns:r="http://schemas.openxmlformats.org/officeDocument/2006/relationships" r:blip="">
+            <dgm:adjLst/>
+          </dgm:shape>
+          <dgm:presOf/>
+          <dgm:layoutNode name="LevelOneTextNode" styleLbl="node0">
+            <dgm:varLst>
+              <dgm:chPref val="3"/>
+            </dgm:varLst>
+            <dgm:alg type="tx">
+              <dgm:param type="autoTxRot" val="grav"/>
+            </dgm:alg>
+            <dgm:choose name="Name9">
+              <dgm:if name="Name10" func="var" arg="dir" op="equ" val="norm">
+                <dgm:shape xmlns:r="http://schemas.openxmlformats.org/officeDocument/2006/relationships" rot="270" type="rect" r:blip="">
+                  <dgm:adjLst/>
+                </dgm:shape>
+              </dgm:if>
+              <dgm:else name="Name11">
+                <dgm:shape xmlns:r="http://schemas.openxmlformats.org/officeDocument/2006/relationships" rot="90" type="rect" r:blip="">
+                  <dgm:adjLst/>
+                </dgm:shape>
+              </dgm:else>
+            </dgm:choose>
+            <dgm:presOf axis="self"/>
+            <dgm:constrLst>
+              <dgm:constr type="tMarg" refType="primFontSz" fact="0.05"/>
+              <dgm:constr type="bMarg" refType="primFontSz" fact="0.05"/>
+              <dgm:constr type="lMarg" refType="primFontSz" fact="0.05"/>
+              <dgm:constr type="rMarg" refType="primFontSz" fact="0.05"/>
+            </dgm:constrLst>
+            <dgm:ruleLst>
+              <dgm:rule type="primFontSz" val="2" fact="NaN" max="NaN"/>
+            </dgm:ruleLst>
+          </dgm:layoutNode>
+          <dgm:layoutNode name="level2hierChild">
+            <dgm:choose name="Name12">
+              <dgm:if name="Name13" func="var" arg="dir" op="equ" val="norm">
+                <dgm:alg type="hierChild">
+                  <dgm:param type="linDir" val="fromT"/>
+                  <dgm:param type="chAlign" val="l"/>
+                </dgm:alg>
+              </dgm:if>
+              <dgm:else name="Name14">
+                <dgm:alg type="hierChild">
+                  <dgm:param type="linDir" val="fromT"/>
+                  <dgm:param type="chAlign" val="r"/>
+                </dgm:alg>
+              </dgm:else>
+            </dgm:choose>
+            <dgm:shape xmlns:r="http://schemas.openxmlformats.org/officeDocument/2006/relationships" r:blip="">
+              <dgm:adjLst/>
+            </dgm:shape>
+            <dgm:presOf/>
+            <dgm:forEach name="repeat" axis="ch">
+              <dgm:forEach name="Name15" axis="self" ptType="parTrans" cnt="1">
+                <dgm:layoutNode name="conn2-1">
+                  <dgm:choose name="Name16">
+                    <dgm:if name="Name17" func="var" arg="dir" op="equ" val="norm">
+                      <dgm:alg type="conn">
+                        <dgm:param type="dim" val="1D"/>
+                        <dgm:param type="begPts" val="midR"/>
+                        <dgm:param type="endPts" val="midL"/>
+                        <dgm:param type="endSty" val="noArr"/>
+                        <dgm:param type="connRout" val="bend"/>
+                      </dgm:alg>
+                    </dgm:if>
+                    <dgm:else name="Name18">
+                      <dgm:alg type="conn">
+                        <dgm:param type="dim" val="1D"/>
+                        <dgm:param type="begPts" val="midL"/>
+                        <dgm:param type="endPts" val="midR"/>
+                        <dgm:param type="endSty" val="noArr"/>
+                        <dgm:param type="connRout" val="bend"/>
+                      </dgm:alg>
+                    </dgm:else>
+                  </dgm:choose>
+                  <dgm:shape xmlns:r="http://schemas.openxmlformats.org/officeDocument/2006/relationships" type="conn" r:blip="" zOrderOff="-99999">
+                    <dgm:adjLst/>
+                  </dgm:shape>
+                  <dgm:presOf axis="self"/>
+                  <dgm:constrLst>
+                    <dgm:constr type="w" val="1"/>
+                    <dgm:constr type="h" val="5"/>
+                    <dgm:constr type="connDist"/>
+                    <dgm:constr type="begPad"/>
+                    <dgm:constr type="endPad"/>
+                    <dgm:constr type="userA" for="ch" refType="connDist"/>
+                  </dgm:constrLst>
+                  <dgm:layoutNode name="connTx">
+                    <dgm:alg type="tx">
+                      <dgm:param type="autoTxRot" val="grav"/>
+                    </dgm:alg>
+                    <dgm:shape xmlns:r="http://schemas.openxmlformats.org/officeDocument/2006/relationships" type="rect" r:blip="" hideGeom="1">
+                      <dgm:adjLst/>
+                    </dgm:shape>
+                    <dgm:presOf axis="self"/>
+                    <dgm:constrLst>
+                      <dgm:constr type="userA"/>
+                      <dgm:constr type="w" refType="userA" fact="0.05"/>
+                      <dgm:constr type="h" refType="userA" fact="0.05"/>
+                      <dgm:constr type="lMarg" val="1"/>
+                      <dgm:constr type="rMarg" val="1"/>
+                      <dgm:constr type="tMarg"/>
+                      <dgm:constr type="bMarg"/>
+                    </dgm:constrLst>
+                    <dgm:ruleLst>
+                      <dgm:rule type="h" val="NaN" fact="0.25" max="NaN"/>
+                      <dgm:rule type="w" val="NaN" fact="0.8" max="NaN"/>
+                      <dgm:rule type="primFontSz" val="5" fact="NaN" max="NaN"/>
+                    </dgm:ruleLst>
+                  </dgm:layoutNode>
+                </dgm:layoutNode>
+              </dgm:forEach>
+              <dgm:forEach name="Name19" axis="self" ptType="node">
+                <dgm:layoutNode name="root2">
+                  <dgm:choose name="Name20">
+                    <dgm:if name="Name21" func="var" arg="dir" op="equ" val="norm">
+                      <dgm:alg type="hierRoot">
+                        <dgm:param type="hierAlign" val="lCtrCh"/>
+                      </dgm:alg>
+                    </dgm:if>
+                    <dgm:else name="Name22">
+                      <dgm:alg type="hierRoot">
+                        <dgm:param type="hierAlign" val="rCtrCh"/>
+                      </dgm:alg>
+                    </dgm:else>
+                  </dgm:choose>
+                  <dgm:shape xmlns:r="http://schemas.openxmlformats.org/officeDocument/2006/relationships" r:blip="">
+                    <dgm:adjLst/>
+                  </dgm:shape>
+                  <dgm:presOf/>
+                  <dgm:layoutNode name="LevelTwoTextNode">
+                    <dgm:varLst>
+                      <dgm:chPref val="3"/>
+                    </dgm:varLst>
+                    <dgm:alg type="tx"/>
+                    <dgm:shape xmlns:r="http://schemas.openxmlformats.org/officeDocument/2006/relationships" type="rect" r:blip="">
+                      <dgm:adjLst/>
+                    </dgm:shape>
+                    <dgm:presOf axis="self"/>
+                    <dgm:constrLst>
+                      <dgm:constr type="tMarg" refType="primFontSz" fact="0.05"/>
+                      <dgm:constr type="bMarg" refType="primFontSz" fact="0.05"/>
+                      <dgm:constr type="lMarg" refType="primFontSz" fact="0.05"/>
+                      <dgm:constr type="rMarg" refType="primFontSz" fact="0.05"/>
+                    </dgm:constrLst>
+                    <dgm:ruleLst>
+                      <dgm:rule type="primFontSz" val="2" fact="NaN" max="NaN"/>
+                    </dgm:ruleLst>
+                  </dgm:layoutNode>
+                  <dgm:layoutNode name="level3hierChild">
+                    <dgm:choose name="Name23">
+                      <dgm:if name="Name24" func="var" arg="dir" op="equ" val="norm">
+                        <dgm:alg type="hierChild">
+                          <dgm:param type="linDir" val="fromT"/>
+                          <dgm:param type="chAlign" val="l"/>
+                        </dgm:alg>
+                      </dgm:if>
+                      <dgm:else name="Name25">
+                        <dgm:alg type="hierChild">
+                          <dgm:param type="linDir" val="fromT"/>
+                          <dgm:param type="chAlign" val="r"/>
+                        </dgm:alg>
+                      </dgm:else>
+                    </dgm:choose>
+                    <dgm:shape xmlns:r="http://schemas.openxmlformats.org/officeDocument/2006/relationships" r:blip="">
+                      <dgm:adjLst/>
+                    </dgm:shape>
+                    <dgm:presOf/>
+                    <dgm:forEach name="Name26" ref="repeat"/>
+                  </dgm:layoutNode>
+                </dgm:layoutNode>
+              </dgm:forEach>
+            </dgm:forEach>
+          </dgm:layoutNode>
+        </dgm:layoutNode>
+      </dgm:forEach>
+    </dgm:forEach>
+  </dgm:layoutNode>
+</dgm:layoutDef>
+</file>
+
 <file path=ppt/diagrams/quickStyle1.xml><?xml version="1.0" encoding="utf-8"?>
 <dgm:styleDef xmlns:dgm="http://schemas.openxmlformats.org/drawingml/2006/diagram" xmlns:a="http://schemas.openxmlformats.org/drawingml/2006/main" uniqueId="urn:microsoft.com/office/officeart/2005/8/quickstyle/simple1">
   <dgm:title val=""/>
@@ -8378,6 +10553,1040 @@
 </file>
 
 <file path=ppt/diagrams/quickStyle2.xml><?xml version="1.0" encoding="utf-8"?>
+<dgm:styleDef xmlns:dgm="http://schemas.openxmlformats.org/drawingml/2006/diagram" xmlns:a="http://schemas.openxmlformats.org/drawingml/2006/main" uniqueId="urn:microsoft.com/office/officeart/2005/8/quickstyle/simple1">
+  <dgm:title val=""/>
+  <dgm:desc val=""/>
+  <dgm:catLst>
+    <dgm:cat type="simple" pri="10100"/>
+  </dgm:catLst>
+  <dgm:scene3d>
+    <a:camera prst="orthographicFront"/>
+    <a:lightRig rig="threePt" dir="t"/>
+  </dgm:scene3d>
+  <dgm:styleLbl name="node0">
+    <dgm:scene3d>
+      <a:camera prst="orthographicFront"/>
+      <a:lightRig rig="threePt" dir="t"/>
+    </dgm:scene3d>
+    <dgm:sp3d/>
+    <dgm:txPr/>
+    <dgm:style>
+      <a:lnRef idx="2">
+        <a:scrgbClr r="0" g="0" b="0"/>
+      </a:lnRef>
+      <a:fillRef idx="1">
+        <a:scrgbClr r="0" g="0" b="0"/>
+      </a:fillRef>
+      <a:effectRef idx="0">
+        <a:scrgbClr r="0" g="0" b="0"/>
+      </a:effectRef>
+      <a:fontRef idx="minor">
+        <a:schemeClr val="lt1"/>
+      </a:fontRef>
+    </dgm:style>
+  </dgm:styleLbl>
+  <dgm:styleLbl name="lnNode1">
+    <dgm:scene3d>
+      <a:camera prst="orthographicFront"/>
+      <a:lightRig rig="threePt" dir="t"/>
+    </dgm:scene3d>
+    <dgm:sp3d/>
+    <dgm:txPr/>
+    <dgm:style>
+      <a:lnRef idx="2">
+        <a:scrgbClr r="0" g="0" b="0"/>
+      </a:lnRef>
+      <a:fillRef idx="1">
+        <a:scrgbClr r="0" g="0" b="0"/>
+      </a:fillRef>
+      <a:effectRef idx="0">
+        <a:scrgbClr r="0" g="0" b="0"/>
+      </a:effectRef>
+      <a:fontRef idx="minor">
+        <a:schemeClr val="lt1"/>
+      </a:fontRef>
+    </dgm:style>
+  </dgm:styleLbl>
+  <dgm:styleLbl name="vennNode1">
+    <dgm:scene3d>
+      <a:camera prst="orthographicFront"/>
+      <a:lightRig rig="threePt" dir="t"/>
+    </dgm:scene3d>
+    <dgm:sp3d/>
+    <dgm:txPr/>
+    <dgm:style>
+      <a:lnRef idx="2">
+        <a:scrgbClr r="0" g="0" b="0"/>
+      </a:lnRef>
+      <a:fillRef idx="1">
+        <a:scrgbClr r="0" g="0" b="0"/>
+      </a:fillRef>
+      <a:effectRef idx="0">
+        <a:scrgbClr r="0" g="0" b="0"/>
+      </a:effectRef>
+      <a:fontRef idx="minor">
+        <a:schemeClr val="tx1"/>
+      </a:fontRef>
+    </dgm:style>
+  </dgm:styleLbl>
+  <dgm:styleLbl name="alignNode1">
+    <dgm:scene3d>
+      <a:camera prst="orthographicFront"/>
+      <a:lightRig rig="threePt" dir="t"/>
+    </dgm:scene3d>
+    <dgm:sp3d/>
+    <dgm:txPr/>
+    <dgm:style>
+      <a:lnRef idx="2">
+        <a:scrgbClr r="0" g="0" b="0"/>
+      </a:lnRef>
+      <a:fillRef idx="1">
+        <a:scrgbClr r="0" g="0" b="0"/>
+      </a:fillRef>
+      <a:effectRef idx="0">
+        <a:scrgbClr r="0" g="0" b="0"/>
+      </a:effectRef>
+      <a:fontRef idx="minor">
+        <a:schemeClr val="lt1"/>
+      </a:fontRef>
+    </dgm:style>
+  </dgm:styleLbl>
+  <dgm:styleLbl name="node1">
+    <dgm:scene3d>
+      <a:camera prst="orthographicFront"/>
+      <a:lightRig rig="threePt" dir="t"/>
+    </dgm:scene3d>
+    <dgm:sp3d/>
+    <dgm:txPr/>
+    <dgm:style>
+      <a:lnRef idx="2">
+        <a:scrgbClr r="0" g="0" b="0"/>
+      </a:lnRef>
+      <a:fillRef idx="1">
+        <a:scrgbClr r="0" g="0" b="0"/>
+      </a:fillRef>
+      <a:effectRef idx="0">
+        <a:scrgbClr r="0" g="0" b="0"/>
+      </a:effectRef>
+      <a:fontRef idx="minor">
+        <a:schemeClr val="lt1"/>
+      </a:fontRef>
+    </dgm:style>
+  </dgm:styleLbl>
+  <dgm:styleLbl name="node2">
+    <dgm:scene3d>
+      <a:camera prst="orthographicFront"/>
+      <a:lightRig rig="threePt" dir="t"/>
+    </dgm:scene3d>
+    <dgm:sp3d/>
+    <dgm:txPr/>
+    <dgm:style>
+      <a:lnRef idx="2">
+        <a:scrgbClr r="0" g="0" b="0"/>
+      </a:lnRef>
+      <a:fillRef idx="1">
+        <a:scrgbClr r="0" g="0" b="0"/>
+      </a:fillRef>
+      <a:effectRef idx="0">
+        <a:scrgbClr r="0" g="0" b="0"/>
+      </a:effectRef>
+      <a:fontRef idx="minor">
+        <a:schemeClr val="lt1"/>
+      </a:fontRef>
+    </dgm:style>
+  </dgm:styleLbl>
+  <dgm:styleLbl name="node3">
+    <dgm:scene3d>
+      <a:camera prst="orthographicFront"/>
+      <a:lightRig rig="threePt" dir="t"/>
+    </dgm:scene3d>
+    <dgm:sp3d/>
+    <dgm:txPr/>
+    <dgm:style>
+      <a:lnRef idx="2">
+        <a:scrgbClr r="0" g="0" b="0"/>
+      </a:lnRef>
+      <a:fillRef idx="1">
+        <a:scrgbClr r="0" g="0" b="0"/>
+      </a:fillRef>
+      <a:effectRef idx="0">
+        <a:scrgbClr r="0" g="0" b="0"/>
+      </a:effectRef>
+      <a:fontRef idx="minor">
+        <a:schemeClr val="lt1"/>
+      </a:fontRef>
+    </dgm:style>
+  </dgm:styleLbl>
+  <dgm:styleLbl name="node4">
+    <dgm:scene3d>
+      <a:camera prst="orthographicFront"/>
+      <a:lightRig rig="threePt" dir="t"/>
+    </dgm:scene3d>
+    <dgm:sp3d/>
+    <dgm:txPr/>
+    <dgm:style>
+      <a:lnRef idx="2">
+        <a:scrgbClr r="0" g="0" b="0"/>
+      </a:lnRef>
+      <a:fillRef idx="1">
+        <a:scrgbClr r="0" g="0" b="0"/>
+      </a:fillRef>
+      <a:effectRef idx="0">
+        <a:scrgbClr r="0" g="0" b="0"/>
+      </a:effectRef>
+      <a:fontRef idx="minor">
+        <a:schemeClr val="lt1"/>
+      </a:fontRef>
+    </dgm:style>
+  </dgm:styleLbl>
+  <dgm:styleLbl name="fgImgPlace1">
+    <dgm:scene3d>
+      <a:camera prst="orthographicFront"/>
+      <a:lightRig rig="threePt" dir="t"/>
+    </dgm:scene3d>
+    <dgm:sp3d/>
+    <dgm:txPr/>
+    <dgm:style>
+      <a:lnRef idx="2">
+        <a:scrgbClr r="0" g="0" b="0"/>
+      </a:lnRef>
+      <a:fillRef idx="1">
+        <a:scrgbClr r="0" g="0" b="0"/>
+      </a:fillRef>
+      <a:effectRef idx="0">
+        <a:scrgbClr r="0" g="0" b="0"/>
+      </a:effectRef>
+      <a:fontRef idx="minor"/>
+    </dgm:style>
+  </dgm:styleLbl>
+  <dgm:styleLbl name="alignImgPlace1">
+    <dgm:scene3d>
+      <a:camera prst="orthographicFront"/>
+      <a:lightRig rig="threePt" dir="t"/>
+    </dgm:scene3d>
+    <dgm:sp3d/>
+    <dgm:txPr/>
+    <dgm:style>
+      <a:lnRef idx="2">
+        <a:scrgbClr r="0" g="0" b="0"/>
+      </a:lnRef>
+      <a:fillRef idx="1">
+        <a:scrgbClr r="0" g="0" b="0"/>
+      </a:fillRef>
+      <a:effectRef idx="0">
+        <a:scrgbClr r="0" g="0" b="0"/>
+      </a:effectRef>
+      <a:fontRef idx="minor"/>
+    </dgm:style>
+  </dgm:styleLbl>
+  <dgm:styleLbl name="bgImgPlace1">
+    <dgm:scene3d>
+      <a:camera prst="orthographicFront"/>
+      <a:lightRig rig="threePt" dir="t"/>
+    </dgm:scene3d>
+    <dgm:sp3d/>
+    <dgm:txPr/>
+    <dgm:style>
+      <a:lnRef idx="2">
+        <a:scrgbClr r="0" g="0" b="0"/>
+      </a:lnRef>
+      <a:fillRef idx="1">
+        <a:scrgbClr r="0" g="0" b="0"/>
+      </a:fillRef>
+      <a:effectRef idx="0">
+        <a:scrgbClr r="0" g="0" b="0"/>
+      </a:effectRef>
+      <a:fontRef idx="minor"/>
+    </dgm:style>
+  </dgm:styleLbl>
+  <dgm:styleLbl name="sibTrans2D1">
+    <dgm:scene3d>
+      <a:camera prst="orthographicFront"/>
+      <a:lightRig rig="threePt" dir="t"/>
+    </dgm:scene3d>
+    <dgm:sp3d/>
+    <dgm:txPr/>
+    <dgm:style>
+      <a:lnRef idx="0">
+        <a:scrgbClr r="0" g="0" b="0"/>
+      </a:lnRef>
+      <a:fillRef idx="1">
+        <a:scrgbClr r="0" g="0" b="0"/>
+      </a:fillRef>
+      <a:effectRef idx="0">
+        <a:scrgbClr r="0" g="0" b="0"/>
+      </a:effectRef>
+      <a:fontRef idx="minor">
+        <a:schemeClr val="lt1"/>
+      </a:fontRef>
+    </dgm:style>
+  </dgm:styleLbl>
+  <dgm:styleLbl name="fgSibTrans2D1">
+    <dgm:scene3d>
+      <a:camera prst="orthographicFront"/>
+      <a:lightRig rig="threePt" dir="t"/>
+    </dgm:scene3d>
+    <dgm:sp3d/>
+    <dgm:txPr/>
+    <dgm:style>
+      <a:lnRef idx="0">
+        <a:scrgbClr r="0" g="0" b="0"/>
+      </a:lnRef>
+      <a:fillRef idx="1">
+        <a:scrgbClr r="0" g="0" b="0"/>
+      </a:fillRef>
+      <a:effectRef idx="0">
+        <a:scrgbClr r="0" g="0" b="0"/>
+      </a:effectRef>
+      <a:fontRef idx="minor">
+        <a:schemeClr val="lt1"/>
+      </a:fontRef>
+    </dgm:style>
+  </dgm:styleLbl>
+  <dgm:styleLbl name="bgSibTrans2D1">
+    <dgm:scene3d>
+      <a:camera prst="orthographicFront"/>
+      <a:lightRig rig="threePt" dir="t"/>
+    </dgm:scene3d>
+    <dgm:sp3d/>
+    <dgm:txPr/>
+    <dgm:style>
+      <a:lnRef idx="0">
+        <a:scrgbClr r="0" g="0" b="0"/>
+      </a:lnRef>
+      <a:fillRef idx="1">
+        <a:scrgbClr r="0" g="0" b="0"/>
+      </a:fillRef>
+      <a:effectRef idx="0">
+        <a:scrgbClr r="0" g="0" b="0"/>
+      </a:effectRef>
+      <a:fontRef idx="minor">
+        <a:schemeClr val="lt1"/>
+      </a:fontRef>
+    </dgm:style>
+  </dgm:styleLbl>
+  <dgm:styleLbl name="sibTrans1D1">
+    <dgm:scene3d>
+      <a:camera prst="orthographicFront"/>
+      <a:lightRig rig="threePt" dir="t"/>
+    </dgm:scene3d>
+    <dgm:sp3d/>
+    <dgm:txPr/>
+    <dgm:style>
+      <a:lnRef idx="1">
+        <a:scrgbClr r="0" g="0" b="0"/>
+      </a:lnRef>
+      <a:fillRef idx="0">
+        <a:scrgbClr r="0" g="0" b="0"/>
+      </a:fillRef>
+      <a:effectRef idx="0">
+        <a:scrgbClr r="0" g="0" b="0"/>
+      </a:effectRef>
+      <a:fontRef idx="minor"/>
+    </dgm:style>
+  </dgm:styleLbl>
+  <dgm:styleLbl name="callout">
+    <dgm:scene3d>
+      <a:camera prst="orthographicFront"/>
+      <a:lightRig rig="threePt" dir="t"/>
+    </dgm:scene3d>
+    <dgm:sp3d/>
+    <dgm:txPr/>
+    <dgm:style>
+      <a:lnRef idx="2">
+        <a:scrgbClr r="0" g="0" b="0"/>
+      </a:lnRef>
+      <a:fillRef idx="1">
+        <a:scrgbClr r="0" g="0" b="0"/>
+      </a:fillRef>
+      <a:effectRef idx="0">
+        <a:scrgbClr r="0" g="0" b="0"/>
+      </a:effectRef>
+      <a:fontRef idx="minor"/>
+    </dgm:style>
+  </dgm:styleLbl>
+  <dgm:styleLbl name="asst0">
+    <dgm:scene3d>
+      <a:camera prst="orthographicFront"/>
+      <a:lightRig rig="threePt" dir="t"/>
+    </dgm:scene3d>
+    <dgm:sp3d/>
+    <dgm:txPr/>
+    <dgm:style>
+      <a:lnRef idx="2">
+        <a:scrgbClr r="0" g="0" b="0"/>
+      </a:lnRef>
+      <a:fillRef idx="1">
+        <a:scrgbClr r="0" g="0" b="0"/>
+      </a:fillRef>
+      <a:effectRef idx="0">
+        <a:scrgbClr r="0" g="0" b="0"/>
+      </a:effectRef>
+      <a:fontRef idx="minor">
+        <a:schemeClr val="lt1"/>
+      </a:fontRef>
+    </dgm:style>
+  </dgm:styleLbl>
+  <dgm:styleLbl name="asst1">
+    <dgm:scene3d>
+      <a:camera prst="orthographicFront"/>
+      <a:lightRig rig="threePt" dir="t"/>
+    </dgm:scene3d>
+    <dgm:sp3d/>
+    <dgm:txPr/>
+    <dgm:style>
+      <a:lnRef idx="2">
+        <a:scrgbClr r="0" g="0" b="0"/>
+      </a:lnRef>
+      <a:fillRef idx="1">
+        <a:scrgbClr r="0" g="0" b="0"/>
+      </a:fillRef>
+      <a:effectRef idx="0">
+        <a:scrgbClr r="0" g="0" b="0"/>
+      </a:effectRef>
+      <a:fontRef idx="minor">
+        <a:schemeClr val="lt1"/>
+      </a:fontRef>
+    </dgm:style>
+  </dgm:styleLbl>
+  <dgm:styleLbl name="asst2">
+    <dgm:scene3d>
+      <a:camera prst="orthographicFront"/>
+      <a:lightRig rig="threePt" dir="t"/>
+    </dgm:scene3d>
+    <dgm:sp3d/>
+    <dgm:txPr/>
+    <dgm:style>
+      <a:lnRef idx="2">
+        <a:scrgbClr r="0" g="0" b="0"/>
+      </a:lnRef>
+      <a:fillRef idx="1">
+        <a:scrgbClr r="0" g="0" b="0"/>
+      </a:fillRef>
+      <a:effectRef idx="0">
+        <a:scrgbClr r="0" g="0" b="0"/>
+      </a:effectRef>
+      <a:fontRef idx="minor">
+        <a:schemeClr val="lt1"/>
+      </a:fontRef>
+    </dgm:style>
+  </dgm:styleLbl>
+  <dgm:styleLbl name="asst3">
+    <dgm:scene3d>
+      <a:camera prst="orthographicFront"/>
+      <a:lightRig rig="threePt" dir="t"/>
+    </dgm:scene3d>
+    <dgm:sp3d/>
+    <dgm:txPr/>
+    <dgm:style>
+      <a:lnRef idx="2">
+        <a:scrgbClr r="0" g="0" b="0"/>
+      </a:lnRef>
+      <a:fillRef idx="1">
+        <a:scrgbClr r="0" g="0" b="0"/>
+      </a:fillRef>
+      <a:effectRef idx="0">
+        <a:scrgbClr r="0" g="0" b="0"/>
+      </a:effectRef>
+      <a:fontRef idx="minor">
+        <a:schemeClr val="lt1"/>
+      </a:fontRef>
+    </dgm:style>
+  </dgm:styleLbl>
+  <dgm:styleLbl name="asst4">
+    <dgm:scene3d>
+      <a:camera prst="orthographicFront"/>
+      <a:lightRig rig="threePt" dir="t"/>
+    </dgm:scene3d>
+    <dgm:sp3d/>
+    <dgm:txPr/>
+    <dgm:style>
+      <a:lnRef idx="2">
+        <a:scrgbClr r="0" g="0" b="0"/>
+      </a:lnRef>
+      <a:fillRef idx="1">
+        <a:scrgbClr r="0" g="0" b="0"/>
+      </a:fillRef>
+      <a:effectRef idx="0">
+        <a:scrgbClr r="0" g="0" b="0"/>
+      </a:effectRef>
+      <a:fontRef idx="minor">
+        <a:schemeClr val="lt1"/>
+      </a:fontRef>
+    </dgm:style>
+  </dgm:styleLbl>
+  <dgm:styleLbl name="parChTrans2D1">
+    <dgm:scene3d>
+      <a:camera prst="orthographicFront"/>
+      <a:lightRig rig="threePt" dir="t"/>
+    </dgm:scene3d>
+    <dgm:sp3d/>
+    <dgm:txPr/>
+    <dgm:style>
+      <a:lnRef idx="2">
+        <a:scrgbClr r="0" g="0" b="0"/>
+      </a:lnRef>
+      <a:fillRef idx="1">
+        <a:scrgbClr r="0" g="0" b="0"/>
+      </a:fillRef>
+      <a:effectRef idx="0">
+        <a:scrgbClr r="0" g="0" b="0"/>
+      </a:effectRef>
+      <a:fontRef idx="minor">
+        <a:schemeClr val="lt1"/>
+      </a:fontRef>
+    </dgm:style>
+  </dgm:styleLbl>
+  <dgm:styleLbl name="parChTrans2D2">
+    <dgm:scene3d>
+      <a:camera prst="orthographicFront"/>
+      <a:lightRig rig="threePt" dir="t"/>
+    </dgm:scene3d>
+    <dgm:sp3d/>
+    <dgm:txPr/>
+    <dgm:style>
+      <a:lnRef idx="2">
+        <a:scrgbClr r="0" g="0" b="0"/>
+      </a:lnRef>
+      <a:fillRef idx="1">
+        <a:scrgbClr r="0" g="0" b="0"/>
+      </a:fillRef>
+      <a:effectRef idx="0">
+        <a:scrgbClr r="0" g="0" b="0"/>
+      </a:effectRef>
+      <a:fontRef idx="minor">
+        <a:schemeClr val="lt1"/>
+      </a:fontRef>
+    </dgm:style>
+  </dgm:styleLbl>
+  <dgm:styleLbl name="parChTrans2D3">
+    <dgm:scene3d>
+      <a:camera prst="orthographicFront"/>
+      <a:lightRig rig="threePt" dir="t"/>
+    </dgm:scene3d>
+    <dgm:sp3d/>
+    <dgm:txPr/>
+    <dgm:style>
+      <a:lnRef idx="2">
+        <a:scrgbClr r="0" g="0" b="0"/>
+      </a:lnRef>
+      <a:fillRef idx="1">
+        <a:scrgbClr r="0" g="0" b="0"/>
+      </a:fillRef>
+      <a:effectRef idx="0">
+        <a:scrgbClr r="0" g="0" b="0"/>
+      </a:effectRef>
+      <a:fontRef idx="minor">
+        <a:schemeClr val="lt1"/>
+      </a:fontRef>
+    </dgm:style>
+  </dgm:styleLbl>
+  <dgm:styleLbl name="parChTrans2D4">
+    <dgm:scene3d>
+      <a:camera prst="orthographicFront"/>
+      <a:lightRig rig="threePt" dir="t"/>
+    </dgm:scene3d>
+    <dgm:sp3d/>
+    <dgm:txPr/>
+    <dgm:style>
+      <a:lnRef idx="2">
+        <a:scrgbClr r="0" g="0" b="0"/>
+      </a:lnRef>
+      <a:fillRef idx="1">
+        <a:scrgbClr r="0" g="0" b="0"/>
+      </a:fillRef>
+      <a:effectRef idx="0">
+        <a:scrgbClr r="0" g="0" b="0"/>
+      </a:effectRef>
+      <a:fontRef idx="minor">
+        <a:schemeClr val="lt1"/>
+      </a:fontRef>
+    </dgm:style>
+  </dgm:styleLbl>
+  <dgm:styleLbl name="parChTrans1D1">
+    <dgm:scene3d>
+      <a:camera prst="orthographicFront"/>
+      <a:lightRig rig="threePt" dir="t"/>
+    </dgm:scene3d>
+    <dgm:sp3d/>
+    <dgm:txPr/>
+    <dgm:style>
+      <a:lnRef idx="2">
+        <a:scrgbClr r="0" g="0" b="0"/>
+      </a:lnRef>
+      <a:fillRef idx="0">
+        <a:scrgbClr r="0" g="0" b="0"/>
+      </a:fillRef>
+      <a:effectRef idx="0">
+        <a:scrgbClr r="0" g="0" b="0"/>
+      </a:effectRef>
+      <a:fontRef idx="minor"/>
+    </dgm:style>
+  </dgm:styleLbl>
+  <dgm:styleLbl name="parChTrans1D2">
+    <dgm:scene3d>
+      <a:camera prst="orthographicFront"/>
+      <a:lightRig rig="threePt" dir="t"/>
+    </dgm:scene3d>
+    <dgm:sp3d/>
+    <dgm:txPr/>
+    <dgm:style>
+      <a:lnRef idx="2">
+        <a:scrgbClr r="0" g="0" b="0"/>
+      </a:lnRef>
+      <a:fillRef idx="0">
+        <a:scrgbClr r="0" g="0" b="0"/>
+      </a:fillRef>
+      <a:effectRef idx="0">
+        <a:scrgbClr r="0" g="0" b="0"/>
+      </a:effectRef>
+      <a:fontRef idx="minor"/>
+    </dgm:style>
+  </dgm:styleLbl>
+  <dgm:styleLbl name="parChTrans1D3">
+    <dgm:scene3d>
+      <a:camera prst="orthographicFront"/>
+      <a:lightRig rig="threePt" dir="t"/>
+    </dgm:scene3d>
+    <dgm:sp3d/>
+    <dgm:txPr/>
+    <dgm:style>
+      <a:lnRef idx="2">
+        <a:scrgbClr r="0" g="0" b="0"/>
+      </a:lnRef>
+      <a:fillRef idx="0">
+        <a:scrgbClr r="0" g="0" b="0"/>
+      </a:fillRef>
+      <a:effectRef idx="0">
+        <a:scrgbClr r="0" g="0" b="0"/>
+      </a:effectRef>
+      <a:fontRef idx="minor"/>
+    </dgm:style>
+  </dgm:styleLbl>
+  <dgm:styleLbl name="parChTrans1D4">
+    <dgm:scene3d>
+      <a:camera prst="orthographicFront"/>
+      <a:lightRig rig="threePt" dir="t"/>
+    </dgm:scene3d>
+    <dgm:sp3d/>
+    <dgm:txPr/>
+    <dgm:style>
+      <a:lnRef idx="2">
+        <a:scrgbClr r="0" g="0" b="0"/>
+      </a:lnRef>
+      <a:fillRef idx="0">
+        <a:scrgbClr r="0" g="0" b="0"/>
+      </a:fillRef>
+      <a:effectRef idx="0">
+        <a:scrgbClr r="0" g="0" b="0"/>
+      </a:effectRef>
+      <a:fontRef idx="minor"/>
+    </dgm:style>
+  </dgm:styleLbl>
+  <dgm:styleLbl name="fgAcc1">
+    <dgm:scene3d>
+      <a:camera prst="orthographicFront"/>
+      <a:lightRig rig="threePt" dir="t"/>
+    </dgm:scene3d>
+    <dgm:sp3d/>
+    <dgm:txPr/>
+    <dgm:style>
+      <a:lnRef idx="2">
+        <a:scrgbClr r="0" g="0" b="0"/>
+      </a:lnRef>
+      <a:fillRef idx="1">
+        <a:scrgbClr r="0" g="0" b="0"/>
+      </a:fillRef>
+      <a:effectRef idx="0">
+        <a:scrgbClr r="0" g="0" b="0"/>
+      </a:effectRef>
+      <a:fontRef idx="minor"/>
+    </dgm:style>
+  </dgm:styleLbl>
+  <dgm:styleLbl name="conFgAcc1">
+    <dgm:scene3d>
+      <a:camera prst="orthographicFront"/>
+      <a:lightRig rig="threePt" dir="t"/>
+    </dgm:scene3d>
+    <dgm:sp3d/>
+    <dgm:txPr/>
+    <dgm:style>
+      <a:lnRef idx="2">
+        <a:scrgbClr r="0" g="0" b="0"/>
+      </a:lnRef>
+      <a:fillRef idx="1">
+        <a:scrgbClr r="0" g="0" b="0"/>
+      </a:fillRef>
+      <a:effectRef idx="0">
+        <a:scrgbClr r="0" g="0" b="0"/>
+      </a:effectRef>
+      <a:fontRef idx="minor"/>
+    </dgm:style>
+  </dgm:styleLbl>
+  <dgm:styleLbl name="alignAcc1">
+    <dgm:scene3d>
+      <a:camera prst="orthographicFront"/>
+      <a:lightRig rig="threePt" dir="t"/>
+    </dgm:scene3d>
+    <dgm:sp3d/>
+    <dgm:txPr/>
+    <dgm:style>
+      <a:lnRef idx="2">
+        <a:scrgbClr r="0" g="0" b="0"/>
+      </a:lnRef>
+      <a:fillRef idx="1">
+        <a:scrgbClr r="0" g="0" b="0"/>
+      </a:fillRef>
+      <a:effectRef idx="0">
+        <a:scrgbClr r="0" g="0" b="0"/>
+      </a:effectRef>
+      <a:fontRef idx="minor"/>
+    </dgm:style>
+  </dgm:styleLbl>
+  <dgm:styleLbl name="trAlignAcc1">
+    <dgm:scene3d>
+      <a:camera prst="orthographicFront"/>
+      <a:lightRig rig="threePt" dir="t"/>
+    </dgm:scene3d>
+    <dgm:sp3d/>
+    <dgm:txPr/>
+    <dgm:style>
+      <a:lnRef idx="1">
+        <a:scrgbClr r="0" g="0" b="0"/>
+      </a:lnRef>
+      <a:fillRef idx="1">
+        <a:scrgbClr r="0" g="0" b="0"/>
+      </a:fillRef>
+      <a:effectRef idx="0">
+        <a:scrgbClr r="0" g="0" b="0"/>
+      </a:effectRef>
+      <a:fontRef idx="minor"/>
+    </dgm:style>
+  </dgm:styleLbl>
+  <dgm:styleLbl name="bgAcc1">
+    <dgm:scene3d>
+      <a:camera prst="orthographicFront"/>
+      <a:lightRig rig="threePt" dir="t"/>
+    </dgm:scene3d>
+    <dgm:sp3d/>
+    <dgm:txPr/>
+    <dgm:style>
+      <a:lnRef idx="2">
+        <a:scrgbClr r="0" g="0" b="0"/>
+      </a:lnRef>
+      <a:fillRef idx="1">
+        <a:scrgbClr r="0" g="0" b="0"/>
+      </a:fillRef>
+      <a:effectRef idx="0">
+        <a:scrgbClr r="0" g="0" b="0"/>
+      </a:effectRef>
+      <a:fontRef idx="minor"/>
+    </dgm:style>
+  </dgm:styleLbl>
+  <dgm:styleLbl name="solidFgAcc1">
+    <dgm:scene3d>
+      <a:camera prst="orthographicFront"/>
+      <a:lightRig rig="threePt" dir="t"/>
+    </dgm:scene3d>
+    <dgm:sp3d/>
+    <dgm:txPr/>
+    <dgm:style>
+      <a:lnRef idx="2">
+        <a:scrgbClr r="0" g="0" b="0"/>
+      </a:lnRef>
+      <a:fillRef idx="1">
+        <a:scrgbClr r="0" g="0" b="0"/>
+      </a:fillRef>
+      <a:effectRef idx="0">
+        <a:scrgbClr r="0" g="0" b="0"/>
+      </a:effectRef>
+      <a:fontRef idx="minor"/>
+    </dgm:style>
+  </dgm:styleLbl>
+  <dgm:styleLbl name="solidAlignAcc1">
+    <dgm:scene3d>
+      <a:camera prst="orthographicFront"/>
+      <a:lightRig rig="threePt" dir="t"/>
+    </dgm:scene3d>
+    <dgm:sp3d/>
+    <dgm:txPr/>
+    <dgm:style>
+      <a:lnRef idx="2">
+        <a:scrgbClr r="0" g="0" b="0"/>
+      </a:lnRef>
+      <a:fillRef idx="1">
+        <a:scrgbClr r="0" g="0" b="0"/>
+      </a:fillRef>
+      <a:effectRef idx="0">
+        <a:scrgbClr r="0" g="0" b="0"/>
+      </a:effectRef>
+      <a:fontRef idx="minor"/>
+    </dgm:style>
+  </dgm:styleLbl>
+  <dgm:styleLbl name="solidBgAcc1">
+    <dgm:scene3d>
+      <a:camera prst="orthographicFront"/>
+      <a:lightRig rig="threePt" dir="t"/>
+    </dgm:scene3d>
+    <dgm:sp3d/>
+    <dgm:txPr/>
+    <dgm:style>
+      <a:lnRef idx="2">
+        <a:scrgbClr r="0" g="0" b="0"/>
+      </a:lnRef>
+      <a:fillRef idx="1">
+        <a:scrgbClr r="0" g="0" b="0"/>
+      </a:fillRef>
+      <a:effectRef idx="0">
+        <a:scrgbClr r="0" g="0" b="0"/>
+      </a:effectRef>
+      <a:fontRef idx="minor"/>
+    </dgm:style>
+  </dgm:styleLbl>
+  <dgm:styleLbl name="fgAccFollowNode1">
+    <dgm:scene3d>
+      <a:camera prst="orthographicFront"/>
+      <a:lightRig rig="threePt" dir="t"/>
+    </dgm:scene3d>
+    <dgm:sp3d/>
+    <dgm:txPr/>
+    <dgm:style>
+      <a:lnRef idx="2">
+        <a:scrgbClr r="0" g="0" b="0"/>
+      </a:lnRef>
+      <a:fillRef idx="1">
+        <a:scrgbClr r="0" g="0" b="0"/>
+      </a:fillRef>
+      <a:effectRef idx="0">
+        <a:scrgbClr r="0" g="0" b="0"/>
+      </a:effectRef>
+      <a:fontRef idx="minor"/>
+    </dgm:style>
+  </dgm:styleLbl>
+  <dgm:styleLbl name="alignAccFollowNode1">
+    <dgm:scene3d>
+      <a:camera prst="orthographicFront"/>
+      <a:lightRig rig="threePt" dir="t"/>
+    </dgm:scene3d>
+    <dgm:sp3d/>
+    <dgm:txPr/>
+    <dgm:style>
+      <a:lnRef idx="2">
+        <a:scrgbClr r="0" g="0" b="0"/>
+      </a:lnRef>
+      <a:fillRef idx="1">
+        <a:scrgbClr r="0" g="0" b="0"/>
+      </a:fillRef>
+      <a:effectRef idx="0">
+        <a:scrgbClr r="0" g="0" b="0"/>
+      </a:effectRef>
+      <a:fontRef idx="minor"/>
+    </dgm:style>
+  </dgm:styleLbl>
+  <dgm:styleLbl name="bgAccFollowNode1">
+    <dgm:scene3d>
+      <a:camera prst="orthographicFront"/>
+      <a:lightRig rig="threePt" dir="t"/>
+    </dgm:scene3d>
+    <dgm:sp3d/>
+    <dgm:txPr/>
+    <dgm:style>
+      <a:lnRef idx="2">
+        <a:scrgbClr r="0" g="0" b="0"/>
+      </a:lnRef>
+      <a:fillRef idx="1">
+        <a:scrgbClr r="0" g="0" b="0"/>
+      </a:fillRef>
+      <a:effectRef idx="0">
+        <a:scrgbClr r="0" g="0" b="0"/>
+      </a:effectRef>
+      <a:fontRef idx="minor"/>
+    </dgm:style>
+  </dgm:styleLbl>
+  <dgm:styleLbl name="fgAcc0">
+    <dgm:scene3d>
+      <a:camera prst="orthographicFront"/>
+      <a:lightRig rig="threePt" dir="t"/>
+    </dgm:scene3d>
+    <dgm:sp3d/>
+    <dgm:txPr/>
+    <dgm:style>
+      <a:lnRef idx="2">
+        <a:scrgbClr r="0" g="0" b="0"/>
+      </a:lnRef>
+      <a:fillRef idx="1">
+        <a:scrgbClr r="0" g="0" b="0"/>
+      </a:fillRef>
+      <a:effectRef idx="0">
+        <a:scrgbClr r="0" g="0" b="0"/>
+      </a:effectRef>
+      <a:fontRef idx="minor"/>
+    </dgm:style>
+  </dgm:styleLbl>
+  <dgm:styleLbl name="fgAcc2">
+    <dgm:scene3d>
+      <a:camera prst="orthographicFront"/>
+      <a:lightRig rig="threePt" dir="t"/>
+    </dgm:scene3d>
+    <dgm:sp3d/>
+    <dgm:txPr/>
+    <dgm:style>
+      <a:lnRef idx="2">
+        <a:scrgbClr r="0" g="0" b="0"/>
+      </a:lnRef>
+      <a:fillRef idx="1">
+        <a:scrgbClr r="0" g="0" b="0"/>
+      </a:fillRef>
+      <a:effectRef idx="0">
+        <a:scrgbClr r="0" g="0" b="0"/>
+      </a:effectRef>
+      <a:fontRef idx="minor"/>
+    </dgm:style>
+  </dgm:styleLbl>
+  <dgm:styleLbl name="fgAcc3">
+    <dgm:scene3d>
+      <a:camera prst="orthographicFront"/>
+      <a:lightRig rig="threePt" dir="t"/>
+    </dgm:scene3d>
+    <dgm:sp3d/>
+    <dgm:txPr/>
+    <dgm:style>
+      <a:lnRef idx="2">
+        <a:scrgbClr r="0" g="0" b="0"/>
+      </a:lnRef>
+      <a:fillRef idx="1">
+        <a:scrgbClr r="0" g="0" b="0"/>
+      </a:fillRef>
+      <a:effectRef idx="0">
+        <a:scrgbClr r="0" g="0" b="0"/>
+      </a:effectRef>
+      <a:fontRef idx="minor"/>
+    </dgm:style>
+  </dgm:styleLbl>
+  <dgm:styleLbl name="fgAcc4">
+    <dgm:scene3d>
+      <a:camera prst="orthographicFront"/>
+      <a:lightRig rig="threePt" dir="t"/>
+    </dgm:scene3d>
+    <dgm:sp3d/>
+    <dgm:txPr/>
+    <dgm:style>
+      <a:lnRef idx="2">
+        <a:scrgbClr r="0" g="0" b="0"/>
+      </a:lnRef>
+      <a:fillRef idx="1">
+        <a:scrgbClr r="0" g="0" b="0"/>
+      </a:fillRef>
+      <a:effectRef idx="0">
+        <a:scrgbClr r="0" g="0" b="0"/>
+      </a:effectRef>
+      <a:fontRef idx="minor"/>
+    </dgm:style>
+  </dgm:styleLbl>
+  <dgm:styleLbl name="bgShp">
+    <dgm:scene3d>
+      <a:camera prst="orthographicFront"/>
+      <a:lightRig rig="threePt" dir="t"/>
+    </dgm:scene3d>
+    <dgm:sp3d/>
+    <dgm:txPr/>
+    <dgm:style>
+      <a:lnRef idx="0">
+        <a:scrgbClr r="0" g="0" b="0"/>
+      </a:lnRef>
+      <a:fillRef idx="1">
+        <a:scrgbClr r="0" g="0" b="0"/>
+      </a:fillRef>
+      <a:effectRef idx="0">
+        <a:scrgbClr r="0" g="0" b="0"/>
+      </a:effectRef>
+      <a:fontRef idx="minor"/>
+    </dgm:style>
+  </dgm:styleLbl>
+  <dgm:styleLbl name="dkBgShp">
+    <dgm:scene3d>
+      <a:camera prst="orthographicFront"/>
+      <a:lightRig rig="threePt" dir="t"/>
+    </dgm:scene3d>
+    <dgm:sp3d/>
+    <dgm:txPr/>
+    <dgm:style>
+      <a:lnRef idx="0">
+        <a:scrgbClr r="0" g="0" b="0"/>
+      </a:lnRef>
+      <a:fillRef idx="1">
+        <a:scrgbClr r="0" g="0" b="0"/>
+      </a:fillRef>
+      <a:effectRef idx="0">
+        <a:scrgbClr r="0" g="0" b="0"/>
+      </a:effectRef>
+      <a:fontRef idx="minor"/>
+    </dgm:style>
+  </dgm:styleLbl>
+  <dgm:styleLbl name="trBgShp">
+    <dgm:scene3d>
+      <a:camera prst="orthographicFront"/>
+      <a:lightRig rig="threePt" dir="t"/>
+    </dgm:scene3d>
+    <dgm:sp3d/>
+    <dgm:txPr/>
+    <dgm:style>
+      <a:lnRef idx="0">
+        <a:scrgbClr r="0" g="0" b="0"/>
+      </a:lnRef>
+      <a:fillRef idx="1">
+        <a:scrgbClr r="0" g="0" b="0"/>
+      </a:fillRef>
+      <a:effectRef idx="0">
+        <a:scrgbClr r="0" g="0" b="0"/>
+      </a:effectRef>
+      <a:fontRef idx="minor"/>
+    </dgm:style>
+  </dgm:styleLbl>
+  <dgm:styleLbl name="fgShp">
+    <dgm:scene3d>
+      <a:camera prst="orthographicFront"/>
+      <a:lightRig rig="threePt" dir="t"/>
+    </dgm:scene3d>
+    <dgm:sp3d/>
+    <dgm:txPr/>
+    <dgm:style>
+      <a:lnRef idx="2">
+        <a:scrgbClr r="0" g="0" b="0"/>
+      </a:lnRef>
+      <a:fillRef idx="1">
+        <a:scrgbClr r="0" g="0" b="0"/>
+      </a:fillRef>
+      <a:effectRef idx="0">
+        <a:scrgbClr r="0" g="0" b="0"/>
+      </a:effectRef>
+      <a:fontRef idx="minor"/>
+    </dgm:style>
+  </dgm:styleLbl>
+  <dgm:styleLbl name="revTx">
+    <dgm:scene3d>
+      <a:camera prst="orthographicFront"/>
+      <a:lightRig rig="threePt" dir="t"/>
+    </dgm:scene3d>
+    <dgm:sp3d/>
+    <dgm:txPr/>
+    <dgm:style>
+      <a:lnRef idx="0">
+        <a:scrgbClr r="0" g="0" b="0"/>
+      </a:lnRef>
+      <a:fillRef idx="0">
+        <a:scrgbClr r="0" g="0" b="0"/>
+      </a:fillRef>
+      <a:effectRef idx="0">
+        <a:scrgbClr r="0" g="0" b="0"/>
+      </a:effectRef>
+      <a:fontRef idx="minor"/>
+    </dgm:style>
+  </dgm:styleLbl>
+</dgm:styleDef>
+</file>
+
+<file path=ppt/diagrams/quickStyle3.xml><?xml version="1.0" encoding="utf-8"?>
 <dgm:styleDef xmlns:dgm="http://schemas.openxmlformats.org/drawingml/2006/diagram" xmlns:a="http://schemas.openxmlformats.org/drawingml/2006/main" uniqueId="urn:microsoft.com/office/officeart/2005/8/quickstyle/simple1">
   <dgm:title val=""/>
   <dgm:desc val=""/>
@@ -12938,7 +16147,11 @@
             <a:pPr algn="ctr"/>
             <a:r>
               <a:rPr lang="fr-FR" sz="3600" b="1" dirty="0"/>
-              <a:t>Timeline</a:t>
+              <a:t>VB </a:t>
+            </a:r>
+            <a:r>
+              <a:rPr lang="fr-FR" sz="3600" b="1" dirty="0" err="1"/>
+              <a:t>languages</a:t>
             </a:r>
             <a:r>
               <a:rPr lang="fr-FR" b="1" dirty="0"/>
@@ -12948,6 +16161,34 @@
           </a:p>
         </p:txBody>
       </p:sp>
+      <p:graphicFrame>
+        <p:nvGraphicFramePr>
+          <p:cNvPr id="3" name="Diagram 2">
+            <a:extLst>
+              <a:ext uri="{FF2B5EF4-FFF2-40B4-BE49-F238E27FC236}">
+                <a16:creationId xmlns:a16="http://schemas.microsoft.com/office/drawing/2014/main" id="{75F39AAE-6BB1-34AD-FDF5-23886EAA52CF}"/>
+              </a:ext>
+            </a:extLst>
+          </p:cNvPr>
+          <p:cNvGraphicFramePr/>
+          <p:nvPr>
+            <p:extLst>
+              <p:ext uri="{D42A27DB-BD31-4B8C-83A1-F6EECF244321}">
+                <p14:modId xmlns:p14="http://schemas.microsoft.com/office/powerpoint/2010/main" val="4031259366"/>
+              </p:ext>
+            </p:extLst>
+          </p:nvPr>
+        </p:nvGraphicFramePr>
+        <p:xfrm>
+          <a:off x="2032000" y="719666"/>
+          <a:ext cx="8128000" cy="5418667"/>
+        </p:xfrm>
+        <a:graphic>
+          <a:graphicData uri="http://schemas.openxmlformats.org/drawingml/2006/diagram">
+            <dgm:relIds xmlns:dgm="http://schemas.openxmlformats.org/drawingml/2006/diagram" xmlns:r="http://schemas.openxmlformats.org/officeDocument/2006/relationships" r:dm="rId2" r:lo="rId3" r:qs="rId4" r:cs="rId5"/>
+          </a:graphicData>
+        </a:graphic>
+      </p:graphicFrame>
     </p:spTree>
     <p:extLst>
       <p:ext uri="{BB962C8B-B14F-4D97-AF65-F5344CB8AC3E}">
